--- a/lesson 4/Lesson_4.pptx
+++ b/lesson 4/Lesson_4.pptx
@@ -5,7 +5,7 @@
     <p:sldMasterId id="2147483648" r:id="rId1"/>
   </p:sldMasterIdLst>
   <p:notesMasterIdLst>
-    <p:notesMasterId r:id="rId19"/>
+    <p:notesMasterId r:id="rId14"/>
   </p:notesMasterIdLst>
   <p:sldIdLst>
     <p:sldId id="256" r:id="rId2"/>
@@ -20,11 +20,6 @@
     <p:sldId id="284" r:id="rId11"/>
     <p:sldId id="285" r:id="rId12"/>
     <p:sldId id="286" r:id="rId13"/>
-    <p:sldId id="276" r:id="rId14"/>
-    <p:sldId id="265" r:id="rId15"/>
-    <p:sldId id="274" r:id="rId16"/>
-    <p:sldId id="277" r:id="rId17"/>
-    <p:sldId id="275" r:id="rId18"/>
   </p:sldIdLst>
   <p:sldSz cx="12192000" cy="6858000"/>
   <p:notesSz cx="6858000" cy="9144000"/>
@@ -139,6 +134,7 @@
     <p1510:client id="{58A5EECA-69F4-A2C6-FD0E-DB58BAABE3E1}" v="170" dt="2021-12-08T11:52:11.015"/>
     <p1510:client id="{7444D727-F7D4-FA77-B819-109020B716DF}" v="1852" dt="2021-12-13T14:56:00.168"/>
     <p1510:client id="{C89ACF45-C2F8-E76F-58EF-8272F11558CB}" v="235" dt="2021-12-02T10:05:05.975"/>
+    <p1510:client id="{DC5BDF5B-AFFC-4935-7895-53CC0C0680C3}" v="5" dt="2021-12-14T08:25:02.593"/>
     <p1510:client id="{E143B352-6C6B-8238-531D-573B4674CE9C}" v="2349" dt="2021-12-07T09:23:16.743"/>
     <p1510:client id="{FE1DCC1D-BC15-696A-387C-2553344057FA}" v="70" dt="2021-12-13T15:20:11.936"/>
   </p1510:revLst>
@@ -8056,2892 +8052,6 @@
     <p:extLst>
       <p:ext uri="{BB962C8B-B14F-4D97-AF65-F5344CB8AC3E}">
         <p14:creationId xmlns:p14="http://schemas.microsoft.com/office/powerpoint/2010/main" val="1632053640"/>
-      </p:ext>
-    </p:extLst>
-  </p:cSld>
-  <p:clrMapOvr>
-    <a:masterClrMapping/>
-  </p:clrMapOvr>
-</p:sld>
-</file>
-
-<file path=ppt/slides/slide13.xml><?xml version="1.0" encoding="utf-8"?>
-<p:sld xmlns:a="http://schemas.openxmlformats.org/drawingml/2006/main" xmlns:r="http://schemas.openxmlformats.org/officeDocument/2006/relationships" xmlns:p="http://schemas.openxmlformats.org/presentationml/2006/main">
-  <p:cSld>
-    <p:spTree>
-      <p:nvGrpSpPr>
-        <p:cNvPr id="1" name=""/>
-        <p:cNvGrpSpPr/>
-        <p:nvPr/>
-      </p:nvGrpSpPr>
-      <p:grpSpPr>
-        <a:xfrm>
-          <a:off x="0" y="0"/>
-          <a:ext cx="0" cy="0"/>
-          <a:chOff x="0" y="0"/>
-          <a:chExt cx="0" cy="0"/>
-        </a:xfrm>
-      </p:grpSpPr>
-      <p:sp>
-        <p:nvSpPr>
-          <p:cNvPr id="3" name="Прямоугольник 4">
-            <a:extLst>
-              <a:ext uri="{FF2B5EF4-FFF2-40B4-BE49-F238E27FC236}">
-                <a16:creationId xmlns:a16="http://schemas.microsoft.com/office/drawing/2014/main" id="{36CC0B9C-0EBE-4A1E-B58D-B636BD15693B}"/>
-              </a:ext>
-            </a:extLst>
-          </p:cNvPr>
-          <p:cNvSpPr/>
-          <p:nvPr/>
-        </p:nvSpPr>
-        <p:spPr>
-          <a:xfrm>
-            <a:off x="569167" y="242596"/>
-            <a:ext cx="11150082" cy="811763"/>
-          </a:xfrm>
-          <a:prstGeom prst="rect">
-            <a:avLst/>
-          </a:prstGeom>
-        </p:spPr>
-        <p:style>
-          <a:lnRef idx="2">
-            <a:schemeClr val="accent1">
-              <a:shade val="50000"/>
-            </a:schemeClr>
-          </a:lnRef>
-          <a:fillRef idx="1">
-            <a:schemeClr val="accent1"/>
-          </a:fillRef>
-          <a:effectRef idx="0">
-            <a:schemeClr val="accent1"/>
-          </a:effectRef>
-          <a:fontRef idx="minor">
-            <a:schemeClr val="lt1"/>
-          </a:fontRef>
-        </p:style>
-        <p:txBody>
-          <a:bodyPr lIns="91440" tIns="45720" rIns="91440" bIns="45720" rtlCol="0" anchor="ctr"/>
-          <a:lstStyle/>
-          <a:p>
-            <a:pPr algn="ctr"/>
-            <a:r>
-              <a:rPr lang="ru-RU" sz="3200" b="1">
-                <a:ln w="12700" cmpd="sng">
-                  <a:solidFill>
-                    <a:srgbClr val="FFC000"/>
-                  </a:solidFill>
-                  <a:prstDash val="solid"/>
-                </a:ln>
-                <a:solidFill>
-                  <a:srgbClr val="FFC000"/>
-                </a:solidFill>
-                <a:cs typeface="Calibri"/>
-              </a:rPr>
-              <a:t>Функция </a:t>
-            </a:r>
-            <a:r>
-              <a:rPr lang="ru-RU" sz="3200" b="1" err="1">
-                <a:ln w="12700" cmpd="sng">
-                  <a:solidFill>
-                    <a:srgbClr val="FFC000"/>
-                  </a:solidFill>
-                  <a:prstDash val="solid"/>
-                </a:ln>
-                <a:solidFill>
-                  <a:srgbClr val="FFC000"/>
-                </a:solidFill>
-                <a:cs typeface="Calibri"/>
-              </a:rPr>
-              <a:t>input</a:t>
-            </a:r>
-            <a:endParaRPr lang="en-US" err="1"/>
-          </a:p>
-        </p:txBody>
-      </p:sp>
-      <p:sp>
-        <p:nvSpPr>
-          <p:cNvPr id="5" name="Rectangle: Rounded Corners 4">
-            <a:extLst>
-              <a:ext uri="{FF2B5EF4-FFF2-40B4-BE49-F238E27FC236}">
-                <a16:creationId xmlns:a16="http://schemas.microsoft.com/office/drawing/2014/main" id="{345097A7-3DDA-42EE-B1B5-948D82531DB4}"/>
-              </a:ext>
-            </a:extLst>
-          </p:cNvPr>
-          <p:cNvSpPr/>
-          <p:nvPr/>
-        </p:nvSpPr>
-        <p:spPr>
-          <a:xfrm>
-            <a:off x="1609104" y="4775016"/>
-            <a:ext cx="9847382" cy="1543538"/>
-          </a:xfrm>
-          <a:prstGeom prst="roundRect">
-            <a:avLst/>
-          </a:prstGeom>
-        </p:spPr>
-        <p:style>
-          <a:lnRef idx="2">
-            <a:schemeClr val="accent1">
-              <a:shade val="50000"/>
-            </a:schemeClr>
-          </a:lnRef>
-          <a:fillRef idx="1">
-            <a:schemeClr val="accent1"/>
-          </a:fillRef>
-          <a:effectRef idx="0">
-            <a:schemeClr val="accent1"/>
-          </a:effectRef>
-          <a:fontRef idx="minor">
-            <a:schemeClr val="lt1"/>
-          </a:fontRef>
-        </p:style>
-        <p:txBody>
-          <a:bodyPr lIns="91440" tIns="45720" rIns="91440" bIns="45720" rtlCol="0" anchor="ctr"/>
-          <a:lstStyle/>
-          <a:p>
-            <a:r>
-              <a:rPr lang="en-US">
-                <a:ea typeface="+mn-lt"/>
-                <a:cs typeface="+mn-lt"/>
-              </a:rPr>
-              <a:t>     </a:t>
-            </a:r>
-            <a:r>
-              <a:rPr lang="en-US" err="1">
-                <a:ea typeface="+mn-lt"/>
-                <a:cs typeface="+mn-lt"/>
-              </a:rPr>
-              <a:t>За</a:t>
-            </a:r>
-            <a:r>
-              <a:rPr lang="en-US">
-                <a:ea typeface="+mn-lt"/>
-                <a:cs typeface="+mn-lt"/>
-              </a:rPr>
-              <a:t> </a:t>
-            </a:r>
-            <a:r>
-              <a:rPr lang="en-US" err="1">
-                <a:ea typeface="+mn-lt"/>
-                <a:cs typeface="+mn-lt"/>
-              </a:rPr>
-              <a:t>ввод</a:t>
-            </a:r>
-            <a:r>
-              <a:rPr lang="en-US">
-                <a:ea typeface="+mn-lt"/>
-                <a:cs typeface="+mn-lt"/>
-              </a:rPr>
-              <a:t> в </a:t>
-            </a:r>
-            <a:r>
-              <a:rPr lang="en-US" err="1">
-                <a:ea typeface="+mn-lt"/>
-                <a:cs typeface="+mn-lt"/>
-              </a:rPr>
-              <a:t>программу</a:t>
-            </a:r>
-            <a:r>
-              <a:rPr lang="en-US">
-                <a:ea typeface="+mn-lt"/>
-                <a:cs typeface="+mn-lt"/>
-              </a:rPr>
-              <a:t> </a:t>
-            </a:r>
-            <a:r>
-              <a:rPr lang="en-US" err="1">
-                <a:ea typeface="+mn-lt"/>
-                <a:cs typeface="+mn-lt"/>
-              </a:rPr>
-              <a:t>данных</a:t>
-            </a:r>
-            <a:r>
-              <a:rPr lang="en-US">
-                <a:ea typeface="+mn-lt"/>
-                <a:cs typeface="+mn-lt"/>
-              </a:rPr>
-              <a:t> с </a:t>
-            </a:r>
-            <a:r>
-              <a:rPr lang="en-US" err="1">
-                <a:ea typeface="+mn-lt"/>
-                <a:cs typeface="+mn-lt"/>
-              </a:rPr>
-              <a:t>клавиатуры</a:t>
-            </a:r>
-            <a:r>
-              <a:rPr lang="en-US">
-                <a:ea typeface="+mn-lt"/>
-                <a:cs typeface="+mn-lt"/>
-              </a:rPr>
-              <a:t> в Python </a:t>
-            </a:r>
-            <a:r>
-              <a:rPr lang="en-US" err="1">
-                <a:ea typeface="+mn-lt"/>
-                <a:cs typeface="+mn-lt"/>
-              </a:rPr>
-              <a:t>отвечает</a:t>
-            </a:r>
-            <a:r>
-              <a:rPr lang="en-US">
-                <a:ea typeface="+mn-lt"/>
-                <a:cs typeface="+mn-lt"/>
-              </a:rPr>
-              <a:t> </a:t>
-            </a:r>
-            <a:r>
-              <a:rPr lang="en-US" err="1">
-                <a:ea typeface="+mn-lt"/>
-                <a:cs typeface="+mn-lt"/>
-              </a:rPr>
-              <a:t>функция</a:t>
-            </a:r>
-            <a:r>
-              <a:rPr lang="en-US">
-                <a:ea typeface="+mn-lt"/>
-                <a:cs typeface="+mn-lt"/>
-              </a:rPr>
-              <a:t> </a:t>
-            </a:r>
-            <a:r>
-              <a:rPr lang="en-US" b="1">
-                <a:solidFill>
-                  <a:schemeClr val="accent4"/>
-                </a:solidFill>
-                <a:ea typeface="+mn-lt"/>
-                <a:cs typeface="+mn-lt"/>
-              </a:rPr>
-              <a:t>input</a:t>
-            </a:r>
-            <a:r>
-              <a:rPr lang="en-US">
-                <a:ea typeface="+mn-lt"/>
-                <a:cs typeface="+mn-lt"/>
-              </a:rPr>
-              <a:t>. </a:t>
-            </a:r>
-            <a:r>
-              <a:rPr lang="en-US" err="1">
-                <a:ea typeface="+mn-lt"/>
-                <a:cs typeface="+mn-lt"/>
-              </a:rPr>
-              <a:t>Когда</a:t>
-            </a:r>
-            <a:r>
-              <a:rPr lang="en-US">
-                <a:ea typeface="+mn-lt"/>
-                <a:cs typeface="+mn-lt"/>
-              </a:rPr>
-              <a:t> </a:t>
-            </a:r>
-            <a:r>
-              <a:rPr lang="en-US" err="1">
-                <a:ea typeface="+mn-lt"/>
-                <a:cs typeface="+mn-lt"/>
-              </a:rPr>
-              <a:t>вызывается</a:t>
-            </a:r>
-            <a:r>
-              <a:rPr lang="en-US">
-                <a:ea typeface="+mn-lt"/>
-                <a:cs typeface="+mn-lt"/>
-              </a:rPr>
-              <a:t> </a:t>
-            </a:r>
-            <a:r>
-              <a:rPr lang="en-US" err="1">
-                <a:ea typeface="+mn-lt"/>
-                <a:cs typeface="+mn-lt"/>
-              </a:rPr>
-              <a:t>эта</a:t>
-            </a:r>
-            <a:r>
-              <a:rPr lang="en-US">
-                <a:ea typeface="+mn-lt"/>
-                <a:cs typeface="+mn-lt"/>
-              </a:rPr>
-              <a:t> </a:t>
-            </a:r>
-            <a:r>
-              <a:rPr lang="en-US" err="1">
-                <a:ea typeface="+mn-lt"/>
-                <a:cs typeface="+mn-lt"/>
-              </a:rPr>
-              <a:t>функция</a:t>
-            </a:r>
-            <a:r>
-              <a:rPr lang="en-US">
-                <a:ea typeface="+mn-lt"/>
-                <a:cs typeface="+mn-lt"/>
-              </a:rPr>
-              <a:t>, </a:t>
-            </a:r>
-            <a:r>
-              <a:rPr lang="en-US" err="1">
-                <a:ea typeface="+mn-lt"/>
-                <a:cs typeface="+mn-lt"/>
-              </a:rPr>
-              <a:t>программа</a:t>
-            </a:r>
-            <a:r>
-              <a:rPr lang="en-US">
-                <a:ea typeface="+mn-lt"/>
-                <a:cs typeface="+mn-lt"/>
-              </a:rPr>
-              <a:t> </a:t>
-            </a:r>
-            <a:r>
-              <a:rPr lang="en-US" err="1">
-                <a:ea typeface="+mn-lt"/>
-                <a:cs typeface="+mn-lt"/>
-              </a:rPr>
-              <a:t>останавливает</a:t>
-            </a:r>
-            <a:r>
-              <a:rPr lang="en-US">
-                <a:ea typeface="+mn-lt"/>
-                <a:cs typeface="+mn-lt"/>
-              </a:rPr>
-              <a:t> </a:t>
-            </a:r>
-            <a:r>
-              <a:rPr lang="en-US" err="1">
-                <a:ea typeface="+mn-lt"/>
-                <a:cs typeface="+mn-lt"/>
-              </a:rPr>
-              <a:t>свое</a:t>
-            </a:r>
-            <a:r>
-              <a:rPr lang="en-US">
-                <a:ea typeface="+mn-lt"/>
-                <a:cs typeface="+mn-lt"/>
-              </a:rPr>
-              <a:t> </a:t>
-            </a:r>
-            <a:r>
-              <a:rPr lang="en-US" err="1">
-                <a:ea typeface="+mn-lt"/>
-                <a:cs typeface="+mn-lt"/>
-              </a:rPr>
-              <a:t>выполнение</a:t>
-            </a:r>
-            <a:r>
-              <a:rPr lang="en-US">
-                <a:ea typeface="+mn-lt"/>
-                <a:cs typeface="+mn-lt"/>
-              </a:rPr>
-              <a:t> и </a:t>
-            </a:r>
-            <a:r>
-              <a:rPr lang="en-US" err="1">
-                <a:ea typeface="+mn-lt"/>
-                <a:cs typeface="+mn-lt"/>
-              </a:rPr>
-              <a:t>ждет</a:t>
-            </a:r>
-            <a:r>
-              <a:rPr lang="en-US">
-                <a:ea typeface="+mn-lt"/>
-                <a:cs typeface="+mn-lt"/>
-              </a:rPr>
-              <a:t>, </a:t>
-            </a:r>
-            <a:r>
-              <a:rPr lang="en-US" err="1">
-                <a:ea typeface="+mn-lt"/>
-                <a:cs typeface="+mn-lt"/>
-              </a:rPr>
-              <a:t>когда</a:t>
-            </a:r>
-            <a:r>
-              <a:rPr lang="en-US">
-                <a:ea typeface="+mn-lt"/>
-                <a:cs typeface="+mn-lt"/>
-              </a:rPr>
-              <a:t> </a:t>
-            </a:r>
-            <a:r>
-              <a:rPr lang="en-US" err="1">
-                <a:ea typeface="+mn-lt"/>
-                <a:cs typeface="+mn-lt"/>
-              </a:rPr>
-              <a:t>пользователь</a:t>
-            </a:r>
-            <a:r>
-              <a:rPr lang="en-US">
-                <a:ea typeface="+mn-lt"/>
-                <a:cs typeface="+mn-lt"/>
-              </a:rPr>
-              <a:t> </a:t>
-            </a:r>
-            <a:r>
-              <a:rPr lang="en-US" err="1">
-                <a:ea typeface="+mn-lt"/>
-                <a:cs typeface="+mn-lt"/>
-              </a:rPr>
-              <a:t>введет</a:t>
-            </a:r>
-            <a:r>
-              <a:rPr lang="en-US">
-                <a:ea typeface="+mn-lt"/>
-                <a:cs typeface="+mn-lt"/>
-              </a:rPr>
-              <a:t> </a:t>
-            </a:r>
-            <a:r>
-              <a:rPr lang="en-US" err="1">
-                <a:ea typeface="+mn-lt"/>
-                <a:cs typeface="+mn-lt"/>
-              </a:rPr>
-              <a:t>текст</a:t>
-            </a:r>
-            <a:r>
-              <a:rPr lang="en-US">
-                <a:ea typeface="+mn-lt"/>
-                <a:cs typeface="+mn-lt"/>
-              </a:rPr>
-              <a:t>. </a:t>
-            </a:r>
-            <a:r>
-              <a:rPr lang="en-US" err="1">
-                <a:ea typeface="+mn-lt"/>
-                <a:cs typeface="+mn-lt"/>
-              </a:rPr>
-              <a:t>После</a:t>
-            </a:r>
-            <a:r>
-              <a:rPr lang="en-US">
-                <a:ea typeface="+mn-lt"/>
-                <a:cs typeface="+mn-lt"/>
-              </a:rPr>
-              <a:t> </a:t>
-            </a:r>
-            <a:r>
-              <a:rPr lang="en-US" err="1">
-                <a:ea typeface="+mn-lt"/>
-                <a:cs typeface="+mn-lt"/>
-              </a:rPr>
-              <a:t>этого</a:t>
-            </a:r>
-            <a:r>
-              <a:rPr lang="en-US">
-                <a:ea typeface="+mn-lt"/>
-                <a:cs typeface="+mn-lt"/>
-              </a:rPr>
-              <a:t>, </a:t>
-            </a:r>
-            <a:r>
-              <a:rPr lang="en-US" err="1">
-                <a:ea typeface="+mn-lt"/>
-                <a:cs typeface="+mn-lt"/>
-              </a:rPr>
-              <a:t>когда</a:t>
-            </a:r>
-            <a:r>
-              <a:rPr lang="en-US">
-                <a:ea typeface="+mn-lt"/>
-                <a:cs typeface="+mn-lt"/>
-              </a:rPr>
-              <a:t> </a:t>
-            </a:r>
-            <a:r>
-              <a:rPr lang="en-US" err="1">
-                <a:ea typeface="+mn-lt"/>
-                <a:cs typeface="+mn-lt"/>
-              </a:rPr>
-              <a:t>он</a:t>
-            </a:r>
-            <a:r>
-              <a:rPr lang="en-US">
-                <a:ea typeface="+mn-lt"/>
-                <a:cs typeface="+mn-lt"/>
-              </a:rPr>
-              <a:t> </a:t>
-            </a:r>
-            <a:r>
-              <a:rPr lang="en-US" err="1">
-                <a:ea typeface="+mn-lt"/>
-                <a:cs typeface="+mn-lt"/>
-              </a:rPr>
-              <a:t>нажмет</a:t>
-            </a:r>
-            <a:r>
-              <a:rPr lang="en-US">
-                <a:ea typeface="+mn-lt"/>
-                <a:cs typeface="+mn-lt"/>
-              </a:rPr>
-              <a:t> Enter, </a:t>
-            </a:r>
-            <a:r>
-              <a:rPr lang="en-US" err="1">
-                <a:ea typeface="+mn-lt"/>
-                <a:cs typeface="+mn-lt"/>
-              </a:rPr>
-              <a:t>функция</a:t>
-            </a:r>
-            <a:r>
-              <a:rPr lang="en-US">
-                <a:ea typeface="+mn-lt"/>
-                <a:cs typeface="+mn-lt"/>
-              </a:rPr>
-              <a:t> input() </a:t>
-            </a:r>
-            <a:r>
-              <a:rPr lang="en-US" err="1">
-                <a:ea typeface="+mn-lt"/>
-                <a:cs typeface="+mn-lt"/>
-              </a:rPr>
-              <a:t>заберет</a:t>
-            </a:r>
-            <a:r>
-              <a:rPr lang="en-US">
-                <a:ea typeface="+mn-lt"/>
-                <a:cs typeface="+mn-lt"/>
-              </a:rPr>
-              <a:t> </a:t>
-            </a:r>
-            <a:r>
-              <a:rPr lang="en-US" err="1">
-                <a:ea typeface="+mn-lt"/>
-                <a:cs typeface="+mn-lt"/>
-              </a:rPr>
-              <a:t>введенный</a:t>
-            </a:r>
-            <a:r>
-              <a:rPr lang="en-US">
-                <a:ea typeface="+mn-lt"/>
-                <a:cs typeface="+mn-lt"/>
-              </a:rPr>
-              <a:t> </a:t>
-            </a:r>
-            <a:r>
-              <a:rPr lang="en-US" err="1">
-                <a:ea typeface="+mn-lt"/>
-                <a:cs typeface="+mn-lt"/>
-              </a:rPr>
-              <a:t>текст</a:t>
-            </a:r>
-            <a:r>
-              <a:rPr lang="en-US">
-                <a:ea typeface="+mn-lt"/>
-                <a:cs typeface="+mn-lt"/>
-              </a:rPr>
-              <a:t> и </a:t>
-            </a:r>
-            <a:r>
-              <a:rPr lang="en-US" err="1">
-                <a:ea typeface="+mn-lt"/>
-                <a:cs typeface="+mn-lt"/>
-              </a:rPr>
-              <a:t>передаст</a:t>
-            </a:r>
-            <a:r>
-              <a:rPr lang="en-US">
-                <a:ea typeface="+mn-lt"/>
-                <a:cs typeface="+mn-lt"/>
-              </a:rPr>
-              <a:t> </a:t>
-            </a:r>
-            <a:r>
-              <a:rPr lang="en-US" err="1">
-                <a:ea typeface="+mn-lt"/>
-                <a:cs typeface="+mn-lt"/>
-              </a:rPr>
-              <a:t>его</a:t>
-            </a:r>
-            <a:r>
-              <a:rPr lang="en-US">
-                <a:ea typeface="+mn-lt"/>
-                <a:cs typeface="+mn-lt"/>
-              </a:rPr>
-              <a:t> </a:t>
-            </a:r>
-            <a:r>
-              <a:rPr lang="en-US" err="1">
-                <a:ea typeface="+mn-lt"/>
-                <a:cs typeface="+mn-lt"/>
-              </a:rPr>
-              <a:t>программе</a:t>
-            </a:r>
-            <a:r>
-              <a:rPr lang="en-US">
-                <a:ea typeface="+mn-lt"/>
-                <a:cs typeface="+mn-lt"/>
-              </a:rPr>
-              <a:t>, </a:t>
-            </a:r>
-            <a:r>
-              <a:rPr lang="en-US" err="1">
-                <a:ea typeface="+mn-lt"/>
-                <a:cs typeface="+mn-lt"/>
-              </a:rPr>
-              <a:t>которая</a:t>
-            </a:r>
-            <a:r>
-              <a:rPr lang="en-US">
-                <a:ea typeface="+mn-lt"/>
-                <a:cs typeface="+mn-lt"/>
-              </a:rPr>
-              <a:t> </a:t>
-            </a:r>
-            <a:r>
-              <a:rPr lang="en-US" err="1">
-                <a:ea typeface="+mn-lt"/>
-                <a:cs typeface="+mn-lt"/>
-              </a:rPr>
-              <a:t>уже</a:t>
-            </a:r>
-            <a:r>
-              <a:rPr lang="en-US">
-                <a:ea typeface="+mn-lt"/>
-                <a:cs typeface="+mn-lt"/>
-              </a:rPr>
-              <a:t> </a:t>
-            </a:r>
-            <a:r>
-              <a:rPr lang="en-US" err="1">
-                <a:ea typeface="+mn-lt"/>
-                <a:cs typeface="+mn-lt"/>
-              </a:rPr>
-              <a:t>будет</a:t>
-            </a:r>
-            <a:r>
-              <a:rPr lang="en-US">
-                <a:ea typeface="+mn-lt"/>
-                <a:cs typeface="+mn-lt"/>
-              </a:rPr>
-              <a:t> </a:t>
-            </a:r>
-            <a:r>
-              <a:rPr lang="en-US" err="1">
-                <a:ea typeface="+mn-lt"/>
-                <a:cs typeface="+mn-lt"/>
-              </a:rPr>
-              <a:t>обрабатывать</a:t>
-            </a:r>
-            <a:r>
-              <a:rPr lang="en-US">
-                <a:ea typeface="+mn-lt"/>
-                <a:cs typeface="+mn-lt"/>
-              </a:rPr>
-              <a:t> </a:t>
-            </a:r>
-            <a:r>
-              <a:rPr lang="en-US" err="1">
-                <a:ea typeface="+mn-lt"/>
-                <a:cs typeface="+mn-lt"/>
-              </a:rPr>
-              <a:t>его</a:t>
-            </a:r>
-            <a:r>
-              <a:rPr lang="en-US">
-                <a:ea typeface="+mn-lt"/>
-                <a:cs typeface="+mn-lt"/>
-              </a:rPr>
-              <a:t> </a:t>
-            </a:r>
-            <a:r>
-              <a:rPr lang="en-US" err="1">
-                <a:ea typeface="+mn-lt"/>
-                <a:cs typeface="+mn-lt"/>
-              </a:rPr>
-              <a:t>согласно</a:t>
-            </a:r>
-            <a:r>
-              <a:rPr lang="en-US">
-                <a:ea typeface="+mn-lt"/>
-                <a:cs typeface="+mn-lt"/>
-              </a:rPr>
-              <a:t> </a:t>
-            </a:r>
-            <a:r>
-              <a:rPr lang="en-US" err="1">
-                <a:ea typeface="+mn-lt"/>
-                <a:cs typeface="+mn-lt"/>
-              </a:rPr>
-              <a:t>своим</a:t>
-            </a:r>
-            <a:r>
-              <a:rPr lang="en-US">
-                <a:ea typeface="+mn-lt"/>
-                <a:cs typeface="+mn-lt"/>
-              </a:rPr>
-              <a:t> </a:t>
-            </a:r>
-            <a:r>
-              <a:rPr lang="en-US" err="1">
-                <a:ea typeface="+mn-lt"/>
-                <a:cs typeface="+mn-lt"/>
-              </a:rPr>
-              <a:t>алгоритмам</a:t>
-            </a:r>
-            <a:r>
-              <a:rPr lang="en-US">
-                <a:ea typeface="+mn-lt"/>
-                <a:cs typeface="+mn-lt"/>
-              </a:rPr>
-              <a:t>.</a:t>
-            </a:r>
-          </a:p>
-        </p:txBody>
-      </p:sp>
-      <p:pic>
-        <p:nvPicPr>
-          <p:cNvPr id="4" name="Picture 5">
-            <a:extLst>
-              <a:ext uri="{FF2B5EF4-FFF2-40B4-BE49-F238E27FC236}">
-                <a16:creationId xmlns:a16="http://schemas.microsoft.com/office/drawing/2014/main" id="{FEA8AF3D-AAF4-4C8B-B3E8-75F5D6D5B383}"/>
-              </a:ext>
-            </a:extLst>
-          </p:cNvPr>
-          <p:cNvPicPr>
-            <a:picLocks noChangeAspect="1"/>
-          </p:cNvPicPr>
-          <p:nvPr/>
-        </p:nvPicPr>
-        <p:blipFill>
-          <a:blip r:embed="rId2"/>
-          <a:stretch>
-            <a:fillRect/>
-          </a:stretch>
-        </p:blipFill>
-        <p:spPr>
-          <a:xfrm>
-            <a:off x="1510322" y="1573140"/>
-            <a:ext cx="3993662" cy="937259"/>
-          </a:xfrm>
-          <a:prstGeom prst="rect">
-            <a:avLst/>
-          </a:prstGeom>
-        </p:spPr>
-      </p:pic>
-      <p:pic>
-        <p:nvPicPr>
-          <p:cNvPr id="6" name="Picture 6">
-            <a:extLst>
-              <a:ext uri="{FF2B5EF4-FFF2-40B4-BE49-F238E27FC236}">
-                <a16:creationId xmlns:a16="http://schemas.microsoft.com/office/drawing/2014/main" id="{7F866217-F0EF-4E64-A76E-ADEC68896180}"/>
-              </a:ext>
-            </a:extLst>
-          </p:cNvPr>
-          <p:cNvPicPr>
-            <a:picLocks noChangeAspect="1"/>
-          </p:cNvPicPr>
-          <p:nvPr/>
-        </p:nvPicPr>
-        <p:blipFill>
-          <a:blip r:embed="rId3"/>
-          <a:stretch>
-            <a:fillRect/>
-          </a:stretch>
-        </p:blipFill>
-        <p:spPr>
-          <a:xfrm>
-            <a:off x="1510323" y="2974178"/>
-            <a:ext cx="9083430" cy="1085490"/>
-          </a:xfrm>
-          <a:prstGeom prst="rect">
-            <a:avLst/>
-          </a:prstGeom>
-        </p:spPr>
-      </p:pic>
-    </p:spTree>
-    <p:extLst>
-      <p:ext uri="{BB962C8B-B14F-4D97-AF65-F5344CB8AC3E}">
-        <p14:creationId xmlns:p14="http://schemas.microsoft.com/office/powerpoint/2010/main" val="3527025613"/>
-      </p:ext>
-    </p:extLst>
-  </p:cSld>
-  <p:clrMapOvr>
-    <a:masterClrMapping/>
-  </p:clrMapOvr>
-</p:sld>
-</file>
-
-<file path=ppt/slides/slide14.xml><?xml version="1.0" encoding="utf-8"?>
-<p:sld xmlns:a="http://schemas.openxmlformats.org/drawingml/2006/main" xmlns:r="http://schemas.openxmlformats.org/officeDocument/2006/relationships" xmlns:p="http://schemas.openxmlformats.org/presentationml/2006/main">
-  <p:cSld>
-    <p:spTree>
-      <p:nvGrpSpPr>
-        <p:cNvPr id="1" name=""/>
-        <p:cNvGrpSpPr/>
-        <p:nvPr/>
-      </p:nvGrpSpPr>
-      <p:grpSpPr>
-        <a:xfrm>
-          <a:off x="0" y="0"/>
-          <a:ext cx="0" cy="0"/>
-          <a:chOff x="0" y="0"/>
-          <a:chExt cx="0" cy="0"/>
-        </a:xfrm>
-      </p:grpSpPr>
-      <p:sp>
-        <p:nvSpPr>
-          <p:cNvPr id="3" name="Прямоугольник 4">
-            <a:extLst>
-              <a:ext uri="{FF2B5EF4-FFF2-40B4-BE49-F238E27FC236}">
-                <a16:creationId xmlns:a16="http://schemas.microsoft.com/office/drawing/2014/main" id="{36CC0B9C-0EBE-4A1E-B58D-B636BD15693B}"/>
-              </a:ext>
-            </a:extLst>
-          </p:cNvPr>
-          <p:cNvSpPr/>
-          <p:nvPr/>
-        </p:nvSpPr>
-        <p:spPr>
-          <a:xfrm>
-            <a:off x="569167" y="242596"/>
-            <a:ext cx="11150082" cy="811763"/>
-          </a:xfrm>
-          <a:prstGeom prst="rect">
-            <a:avLst/>
-          </a:prstGeom>
-        </p:spPr>
-        <p:style>
-          <a:lnRef idx="2">
-            <a:schemeClr val="accent1">
-              <a:shade val="50000"/>
-            </a:schemeClr>
-          </a:lnRef>
-          <a:fillRef idx="1">
-            <a:schemeClr val="accent1"/>
-          </a:fillRef>
-          <a:effectRef idx="0">
-            <a:schemeClr val="accent1"/>
-          </a:effectRef>
-          <a:fontRef idx="minor">
-            <a:schemeClr val="lt1"/>
-          </a:fontRef>
-        </p:style>
-        <p:txBody>
-          <a:bodyPr lIns="91440" tIns="45720" rIns="91440" bIns="45720" rtlCol="0" anchor="ctr"/>
-          <a:lstStyle/>
-          <a:p>
-            <a:pPr algn="ctr"/>
-            <a:r>
-              <a:rPr lang="ru-RU" sz="3200" b="1">
-                <a:ln w="12700" cmpd="sng">
-                  <a:solidFill>
-                    <a:srgbClr val="FFC000"/>
-                  </a:solidFill>
-                  <a:prstDash val="solid"/>
-                </a:ln>
-                <a:solidFill>
-                  <a:srgbClr val="FFC000"/>
-                </a:solidFill>
-                <a:cs typeface="Calibri"/>
-              </a:rPr>
-              <a:t>Оператор </a:t>
-            </a:r>
-            <a:r>
-              <a:rPr lang="ru-RU" sz="3200" b="1" err="1">
-                <a:ln w="12700" cmpd="sng">
-                  <a:solidFill>
-                    <a:srgbClr val="FFC000"/>
-                  </a:solidFill>
-                  <a:prstDash val="solid"/>
-                </a:ln>
-                <a:solidFill>
-                  <a:srgbClr val="FFC000"/>
-                </a:solidFill>
-                <a:cs typeface="Calibri"/>
-              </a:rPr>
-              <a:t>if</a:t>
-            </a:r>
-            <a:endParaRPr lang="en-US" err="1"/>
-          </a:p>
-        </p:txBody>
-      </p:sp>
-      <p:pic>
-        <p:nvPicPr>
-          <p:cNvPr id="2" name="Picture 4">
-            <a:extLst>
-              <a:ext uri="{FF2B5EF4-FFF2-40B4-BE49-F238E27FC236}">
-                <a16:creationId xmlns:a16="http://schemas.microsoft.com/office/drawing/2014/main" id="{45FE4F02-91BB-4249-96C9-FACF86B9D32A}"/>
-              </a:ext>
-            </a:extLst>
-          </p:cNvPr>
-          <p:cNvPicPr>
-            <a:picLocks noChangeAspect="1"/>
-          </p:cNvPicPr>
-          <p:nvPr/>
-        </p:nvPicPr>
-        <p:blipFill>
-          <a:blip r:embed="rId2"/>
-          <a:stretch>
-            <a:fillRect/>
-          </a:stretch>
-        </p:blipFill>
-        <p:spPr>
-          <a:xfrm>
-            <a:off x="2165208" y="1979261"/>
-            <a:ext cx="6602046" cy="2037732"/>
-          </a:xfrm>
-          <a:prstGeom prst="rect">
-            <a:avLst/>
-          </a:prstGeom>
-        </p:spPr>
-      </p:pic>
-      <p:sp>
-        <p:nvSpPr>
-          <p:cNvPr id="5" name="Rectangle: Rounded Corners 4">
-            <a:extLst>
-              <a:ext uri="{FF2B5EF4-FFF2-40B4-BE49-F238E27FC236}">
-                <a16:creationId xmlns:a16="http://schemas.microsoft.com/office/drawing/2014/main" id="{345097A7-3DDA-42EE-B1B5-948D82531DB4}"/>
-              </a:ext>
-            </a:extLst>
-          </p:cNvPr>
-          <p:cNvSpPr/>
-          <p:nvPr/>
-        </p:nvSpPr>
-        <p:spPr>
-          <a:xfrm>
-            <a:off x="1609104" y="4775016"/>
-            <a:ext cx="9075613" cy="1348154"/>
-          </a:xfrm>
-          <a:prstGeom prst="roundRect">
-            <a:avLst/>
-          </a:prstGeom>
-        </p:spPr>
-        <p:style>
-          <a:lnRef idx="2">
-            <a:schemeClr val="accent1">
-              <a:shade val="50000"/>
-            </a:schemeClr>
-          </a:lnRef>
-          <a:fillRef idx="1">
-            <a:schemeClr val="accent1"/>
-          </a:fillRef>
-          <a:effectRef idx="0">
-            <a:schemeClr val="accent1"/>
-          </a:effectRef>
-          <a:fontRef idx="minor">
-            <a:schemeClr val="lt1"/>
-          </a:fontRef>
-        </p:style>
-        <p:txBody>
-          <a:bodyPr rtlCol="0" anchor="ctr"/>
-          <a:lstStyle/>
-          <a:p>
-            <a:r>
-              <a:rPr lang="en-US">
-                <a:solidFill>
-                  <a:schemeClr val="accent4"/>
-                </a:solidFill>
-                <a:ea typeface="+mn-lt"/>
-                <a:cs typeface="+mn-lt"/>
-              </a:rPr>
-              <a:t>     </a:t>
-            </a:r>
-            <a:r>
-              <a:rPr lang="en-US" err="1">
-                <a:solidFill>
-                  <a:schemeClr val="accent4"/>
-                </a:solidFill>
-                <a:ea typeface="+mn-lt"/>
-                <a:cs typeface="+mn-lt"/>
-              </a:rPr>
-              <a:t>Оператор</a:t>
-            </a:r>
-            <a:r>
-              <a:rPr lang="en-US">
-                <a:solidFill>
-                  <a:schemeClr val="accent4"/>
-                </a:solidFill>
-                <a:ea typeface="+mn-lt"/>
-                <a:cs typeface="+mn-lt"/>
-              </a:rPr>
-              <a:t> if</a:t>
-            </a:r>
-            <a:r>
-              <a:rPr lang="en-US">
-                <a:ea typeface="+mn-lt"/>
-                <a:cs typeface="+mn-lt"/>
-              </a:rPr>
-              <a:t> </a:t>
-            </a:r>
-            <a:r>
-              <a:rPr lang="en-US" err="1">
-                <a:ea typeface="+mn-lt"/>
-                <a:cs typeface="+mn-lt"/>
-              </a:rPr>
-              <a:t>используется</a:t>
-            </a:r>
-            <a:r>
-              <a:rPr lang="en-US">
-                <a:ea typeface="+mn-lt"/>
-                <a:cs typeface="+mn-lt"/>
-              </a:rPr>
-              <a:t> </a:t>
-            </a:r>
-            <a:r>
-              <a:rPr lang="en-US" err="1">
-                <a:ea typeface="+mn-lt"/>
-                <a:cs typeface="+mn-lt"/>
-              </a:rPr>
-              <a:t>для</a:t>
-            </a:r>
-            <a:r>
-              <a:rPr lang="en-US">
-                <a:ea typeface="+mn-lt"/>
-                <a:cs typeface="+mn-lt"/>
-              </a:rPr>
-              <a:t> </a:t>
-            </a:r>
-            <a:r>
-              <a:rPr lang="en-US" err="1">
-                <a:ea typeface="+mn-lt"/>
-                <a:cs typeface="+mn-lt"/>
-              </a:rPr>
-              <a:t>проверки</a:t>
-            </a:r>
-            <a:r>
-              <a:rPr lang="en-US">
-                <a:ea typeface="+mn-lt"/>
-                <a:cs typeface="+mn-lt"/>
-              </a:rPr>
-              <a:t> </a:t>
-            </a:r>
-            <a:r>
-              <a:rPr lang="en-US" err="1">
-                <a:ea typeface="+mn-lt"/>
-                <a:cs typeface="+mn-lt"/>
-              </a:rPr>
-              <a:t>условий</a:t>
-            </a:r>
-            <a:r>
-              <a:rPr lang="en-US">
-                <a:ea typeface="+mn-lt"/>
-                <a:cs typeface="+mn-lt"/>
-              </a:rPr>
-              <a:t>:  </a:t>
-            </a:r>
-            <a:r>
-              <a:rPr lang="en-US" err="1">
-                <a:ea typeface="+mn-lt"/>
-                <a:cs typeface="+mn-lt"/>
-              </a:rPr>
-              <a:t>если</a:t>
-            </a:r>
-            <a:r>
-              <a:rPr lang="en-US">
-                <a:ea typeface="+mn-lt"/>
-                <a:cs typeface="+mn-lt"/>
-              </a:rPr>
-              <a:t> 1 </a:t>
-            </a:r>
-            <a:r>
-              <a:rPr lang="en-US" err="1">
-                <a:ea typeface="+mn-lt"/>
-                <a:cs typeface="+mn-lt"/>
-              </a:rPr>
-              <a:t>условие</a:t>
-            </a:r>
-            <a:r>
-              <a:rPr lang="en-US">
-                <a:ea typeface="+mn-lt"/>
-                <a:cs typeface="+mn-lt"/>
-              </a:rPr>
-              <a:t> </a:t>
-            </a:r>
-            <a:r>
-              <a:rPr lang="en-US" err="1">
-                <a:ea typeface="+mn-lt"/>
-                <a:cs typeface="+mn-lt"/>
-              </a:rPr>
-              <a:t>верно</a:t>
-            </a:r>
-            <a:r>
-              <a:rPr lang="en-US">
-                <a:ea typeface="+mn-lt"/>
-                <a:cs typeface="+mn-lt"/>
-              </a:rPr>
-              <a:t>, </a:t>
-            </a:r>
-            <a:r>
-              <a:rPr lang="en-US" err="1">
-                <a:ea typeface="+mn-lt"/>
-                <a:cs typeface="+mn-lt"/>
-              </a:rPr>
-              <a:t>выполняется</a:t>
-            </a:r>
-            <a:r>
-              <a:rPr lang="en-US">
-                <a:ea typeface="+mn-lt"/>
-                <a:cs typeface="+mn-lt"/>
-              </a:rPr>
-              <a:t> </a:t>
-            </a:r>
-            <a:r>
-              <a:rPr lang="en-US" err="1">
-                <a:ea typeface="+mn-lt"/>
-                <a:cs typeface="+mn-lt"/>
-              </a:rPr>
-              <a:t>блок</a:t>
-            </a:r>
-            <a:r>
-              <a:rPr lang="en-US">
-                <a:ea typeface="+mn-lt"/>
-                <a:cs typeface="+mn-lt"/>
-              </a:rPr>
-              <a:t> </a:t>
-            </a:r>
-            <a:r>
-              <a:rPr lang="en-US" err="1">
-                <a:ea typeface="+mn-lt"/>
-                <a:cs typeface="+mn-lt"/>
-              </a:rPr>
-              <a:t>выражений</a:t>
-            </a:r>
-            <a:r>
-              <a:rPr lang="en-US">
-                <a:ea typeface="+mn-lt"/>
-                <a:cs typeface="+mn-lt"/>
-              </a:rPr>
-              <a:t> (</a:t>
-            </a:r>
-            <a:r>
-              <a:rPr lang="en-US" err="1">
-                <a:ea typeface="+mn-lt"/>
-                <a:cs typeface="+mn-lt"/>
-              </a:rPr>
-              <a:t>называемый</a:t>
-            </a:r>
-            <a:r>
-              <a:rPr lang="en-US">
-                <a:ea typeface="+mn-lt"/>
-                <a:cs typeface="+mn-lt"/>
-              </a:rPr>
-              <a:t> «if-</a:t>
-            </a:r>
-            <a:r>
-              <a:rPr lang="en-US" err="1">
-                <a:ea typeface="+mn-lt"/>
-                <a:cs typeface="+mn-lt"/>
-              </a:rPr>
-              <a:t>блок</a:t>
-            </a:r>
-            <a:r>
-              <a:rPr lang="en-US">
-                <a:ea typeface="+mn-lt"/>
-                <a:cs typeface="+mn-lt"/>
-              </a:rPr>
-              <a:t>»),  </a:t>
-            </a:r>
-            <a:r>
-              <a:rPr lang="en-US" err="1">
-                <a:ea typeface="+mn-lt"/>
-                <a:cs typeface="+mn-lt"/>
-              </a:rPr>
-              <a:t>иначе</a:t>
-            </a:r>
-            <a:r>
-              <a:rPr lang="en-US">
-                <a:ea typeface="+mn-lt"/>
-                <a:cs typeface="+mn-lt"/>
-              </a:rPr>
-              <a:t> </a:t>
-            </a:r>
-            <a:r>
-              <a:rPr lang="en-US" err="1">
-                <a:ea typeface="+mn-lt"/>
-                <a:cs typeface="+mn-lt"/>
-              </a:rPr>
-              <a:t>выполняется</a:t>
-            </a:r>
-            <a:r>
-              <a:rPr lang="en-US">
-                <a:ea typeface="+mn-lt"/>
-                <a:cs typeface="+mn-lt"/>
-              </a:rPr>
-              <a:t> </a:t>
-            </a:r>
-            <a:r>
-              <a:rPr lang="en-US" err="1">
-                <a:ea typeface="+mn-lt"/>
-                <a:cs typeface="+mn-lt"/>
-              </a:rPr>
-              <a:t>другой</a:t>
-            </a:r>
-            <a:r>
-              <a:rPr lang="en-US">
-                <a:ea typeface="+mn-lt"/>
-                <a:cs typeface="+mn-lt"/>
-              </a:rPr>
-              <a:t> </a:t>
-            </a:r>
-            <a:r>
-              <a:rPr lang="en-US" err="1">
-                <a:ea typeface="+mn-lt"/>
-                <a:cs typeface="+mn-lt"/>
-              </a:rPr>
-              <a:t>блок</a:t>
-            </a:r>
-            <a:r>
-              <a:rPr lang="en-US">
-                <a:ea typeface="+mn-lt"/>
-                <a:cs typeface="+mn-lt"/>
-              </a:rPr>
-              <a:t> </a:t>
-            </a:r>
-            <a:r>
-              <a:rPr lang="en-US" err="1">
-                <a:ea typeface="+mn-lt"/>
-                <a:cs typeface="+mn-lt"/>
-              </a:rPr>
-              <a:t>выражений</a:t>
-            </a:r>
-            <a:r>
-              <a:rPr lang="en-US">
-                <a:ea typeface="+mn-lt"/>
-                <a:cs typeface="+mn-lt"/>
-              </a:rPr>
-              <a:t> (</a:t>
-            </a:r>
-            <a:r>
-              <a:rPr lang="en-US" err="1">
-                <a:ea typeface="+mn-lt"/>
-                <a:cs typeface="+mn-lt"/>
-              </a:rPr>
-              <a:t>называемый</a:t>
-            </a:r>
-            <a:r>
-              <a:rPr lang="en-US">
-                <a:ea typeface="+mn-lt"/>
-                <a:cs typeface="+mn-lt"/>
-              </a:rPr>
-              <a:t> «else-</a:t>
-            </a:r>
-            <a:r>
-              <a:rPr lang="en-US" err="1">
-                <a:ea typeface="+mn-lt"/>
-                <a:cs typeface="+mn-lt"/>
-              </a:rPr>
-              <a:t>блок</a:t>
-            </a:r>
-            <a:r>
-              <a:rPr lang="en-US">
-                <a:ea typeface="+mn-lt"/>
-                <a:cs typeface="+mn-lt"/>
-              </a:rPr>
-              <a:t>»). </a:t>
-            </a:r>
-            <a:r>
-              <a:rPr lang="en-US" err="1">
-                <a:ea typeface="+mn-lt"/>
-                <a:cs typeface="+mn-lt"/>
-              </a:rPr>
-              <a:t>Блок</a:t>
-            </a:r>
-            <a:r>
-              <a:rPr lang="en-US">
-                <a:ea typeface="+mn-lt"/>
-                <a:cs typeface="+mn-lt"/>
-              </a:rPr>
-              <a:t> «else» </a:t>
-            </a:r>
-            <a:r>
-              <a:rPr lang="en-US" err="1">
-                <a:ea typeface="+mn-lt"/>
-                <a:cs typeface="+mn-lt"/>
-              </a:rPr>
-              <a:t>является</a:t>
-            </a:r>
-            <a:r>
-              <a:rPr lang="en-US">
-                <a:ea typeface="+mn-lt"/>
-                <a:cs typeface="+mn-lt"/>
-              </a:rPr>
-              <a:t> </a:t>
-            </a:r>
-            <a:r>
-              <a:rPr lang="en-US" err="1">
-                <a:ea typeface="+mn-lt"/>
-                <a:cs typeface="+mn-lt"/>
-              </a:rPr>
-              <a:t>необязательным</a:t>
-            </a:r>
-            <a:r>
-              <a:rPr lang="en-US">
-                <a:ea typeface="+mn-lt"/>
-                <a:cs typeface="+mn-lt"/>
-              </a:rPr>
-              <a:t>.</a:t>
-            </a:r>
-            <a:endParaRPr lang="en-US">
-              <a:cs typeface="Calibri" panose="020F0502020204030204"/>
-            </a:endParaRPr>
-          </a:p>
-        </p:txBody>
-      </p:sp>
-    </p:spTree>
-    <p:extLst>
-      <p:ext uri="{BB962C8B-B14F-4D97-AF65-F5344CB8AC3E}">
-        <p14:creationId xmlns:p14="http://schemas.microsoft.com/office/powerpoint/2010/main" val="2236230769"/>
-      </p:ext>
-    </p:extLst>
-  </p:cSld>
-  <p:clrMapOvr>
-    <a:masterClrMapping/>
-  </p:clrMapOvr>
-</p:sld>
-</file>
-
-<file path=ppt/slides/slide15.xml><?xml version="1.0" encoding="utf-8"?>
-<p:sld xmlns:a="http://schemas.openxmlformats.org/drawingml/2006/main" xmlns:r="http://schemas.openxmlformats.org/officeDocument/2006/relationships" xmlns:p="http://schemas.openxmlformats.org/presentationml/2006/main">
-  <p:cSld>
-    <p:spTree>
-      <p:nvGrpSpPr>
-        <p:cNvPr id="1" name=""/>
-        <p:cNvGrpSpPr/>
-        <p:nvPr/>
-      </p:nvGrpSpPr>
-      <p:grpSpPr>
-        <a:xfrm>
-          <a:off x="0" y="0"/>
-          <a:ext cx="0" cy="0"/>
-          <a:chOff x="0" y="0"/>
-          <a:chExt cx="0" cy="0"/>
-        </a:xfrm>
-      </p:grpSpPr>
-      <p:sp>
-        <p:nvSpPr>
-          <p:cNvPr id="3" name="Прямоугольник 4">
-            <a:extLst>
-              <a:ext uri="{FF2B5EF4-FFF2-40B4-BE49-F238E27FC236}">
-                <a16:creationId xmlns:a16="http://schemas.microsoft.com/office/drawing/2014/main" id="{36CC0B9C-0EBE-4A1E-B58D-B636BD15693B}"/>
-              </a:ext>
-            </a:extLst>
-          </p:cNvPr>
-          <p:cNvSpPr/>
-          <p:nvPr/>
-        </p:nvSpPr>
-        <p:spPr>
-          <a:xfrm>
-            <a:off x="569167" y="242596"/>
-            <a:ext cx="11150082" cy="811763"/>
-          </a:xfrm>
-          <a:prstGeom prst="rect">
-            <a:avLst/>
-          </a:prstGeom>
-        </p:spPr>
-        <p:style>
-          <a:lnRef idx="2">
-            <a:schemeClr val="accent1">
-              <a:shade val="50000"/>
-            </a:schemeClr>
-          </a:lnRef>
-          <a:fillRef idx="1">
-            <a:schemeClr val="accent1"/>
-          </a:fillRef>
-          <a:effectRef idx="0">
-            <a:schemeClr val="accent1"/>
-          </a:effectRef>
-          <a:fontRef idx="minor">
-            <a:schemeClr val="lt1"/>
-          </a:fontRef>
-        </p:style>
-        <p:txBody>
-          <a:bodyPr lIns="91440" tIns="45720" rIns="91440" bIns="45720" rtlCol="0" anchor="ctr"/>
-          <a:lstStyle/>
-          <a:p>
-            <a:pPr algn="ctr"/>
-            <a:r>
-              <a:rPr lang="ru-RU" sz="3200" b="1">
-                <a:ln w="12700" cmpd="sng">
-                  <a:solidFill>
-                    <a:srgbClr val="FFC000"/>
-                  </a:solidFill>
-                  <a:prstDash val="solid"/>
-                </a:ln>
-                <a:solidFill>
-                  <a:srgbClr val="FFC000"/>
-                </a:solidFill>
-                <a:cs typeface="Calibri"/>
-              </a:rPr>
-              <a:t>Оператор </a:t>
-            </a:r>
-            <a:r>
-              <a:rPr lang="ru-RU" sz="3200" b="1" err="1">
-                <a:ln w="12700" cmpd="sng">
-                  <a:solidFill>
-                    <a:srgbClr val="FFC000"/>
-                  </a:solidFill>
-                  <a:prstDash val="solid"/>
-                </a:ln>
-                <a:solidFill>
-                  <a:srgbClr val="FFC000"/>
-                </a:solidFill>
-                <a:cs typeface="Calibri"/>
-              </a:rPr>
-              <a:t>while</a:t>
-            </a:r>
-            <a:endParaRPr lang="en-US" err="1"/>
-          </a:p>
-        </p:txBody>
-      </p:sp>
-      <p:sp>
-        <p:nvSpPr>
-          <p:cNvPr id="5" name="Rectangle: Rounded Corners 4">
-            <a:extLst>
-              <a:ext uri="{FF2B5EF4-FFF2-40B4-BE49-F238E27FC236}">
-                <a16:creationId xmlns:a16="http://schemas.microsoft.com/office/drawing/2014/main" id="{345097A7-3DDA-42EE-B1B5-948D82531DB4}"/>
-              </a:ext>
-            </a:extLst>
-          </p:cNvPr>
-          <p:cNvSpPr/>
-          <p:nvPr/>
-        </p:nvSpPr>
-        <p:spPr>
-          <a:xfrm>
-            <a:off x="1609104" y="4775016"/>
-            <a:ext cx="9075613" cy="1348154"/>
-          </a:xfrm>
-          <a:prstGeom prst="roundRect">
-            <a:avLst/>
-          </a:prstGeom>
-        </p:spPr>
-        <p:style>
-          <a:lnRef idx="2">
-            <a:schemeClr val="accent1">
-              <a:shade val="50000"/>
-            </a:schemeClr>
-          </a:lnRef>
-          <a:fillRef idx="1">
-            <a:schemeClr val="accent1"/>
-          </a:fillRef>
-          <a:effectRef idx="0">
-            <a:schemeClr val="accent1"/>
-          </a:effectRef>
-          <a:fontRef idx="minor">
-            <a:schemeClr val="lt1"/>
-          </a:fontRef>
-        </p:style>
-        <p:txBody>
-          <a:bodyPr lIns="91440" tIns="45720" rIns="91440" bIns="45720" rtlCol="0" anchor="ctr"/>
-          <a:lstStyle/>
-          <a:p>
-            <a:r>
-              <a:rPr lang="en-US">
-                <a:solidFill>
-                  <a:schemeClr val="accent4"/>
-                </a:solidFill>
-                <a:ea typeface="+mn-lt"/>
-                <a:cs typeface="+mn-lt"/>
-              </a:rPr>
-              <a:t>     </a:t>
-            </a:r>
-            <a:r>
-              <a:rPr lang="en-US" err="1">
-                <a:solidFill>
-                  <a:schemeClr val="accent4"/>
-                </a:solidFill>
-                <a:ea typeface="+mn-lt"/>
-                <a:cs typeface="+mn-lt"/>
-              </a:rPr>
-              <a:t>Оператор</a:t>
-            </a:r>
-            <a:r>
-              <a:rPr lang="en-US">
-                <a:solidFill>
-                  <a:schemeClr val="accent4"/>
-                </a:solidFill>
-                <a:ea typeface="+mn-lt"/>
-                <a:cs typeface="+mn-lt"/>
-              </a:rPr>
-              <a:t> while</a:t>
-            </a:r>
-            <a:r>
-              <a:rPr lang="en-US">
-                <a:ea typeface="+mn-lt"/>
-                <a:cs typeface="+mn-lt"/>
-              </a:rPr>
-              <a:t> </a:t>
-            </a:r>
-            <a:r>
-              <a:rPr lang="en-US" err="1">
-                <a:ea typeface="+mn-lt"/>
-                <a:cs typeface="+mn-lt"/>
-              </a:rPr>
-              <a:t>позволяет</a:t>
-            </a:r>
-            <a:r>
-              <a:rPr lang="en-US">
-                <a:ea typeface="+mn-lt"/>
-                <a:cs typeface="+mn-lt"/>
-              </a:rPr>
-              <a:t> </a:t>
-            </a:r>
-            <a:r>
-              <a:rPr lang="en-US" err="1">
-                <a:ea typeface="+mn-lt"/>
-                <a:cs typeface="+mn-lt"/>
-              </a:rPr>
-              <a:t>многократно</a:t>
-            </a:r>
-            <a:r>
-              <a:rPr lang="en-US">
-                <a:ea typeface="+mn-lt"/>
-                <a:cs typeface="+mn-lt"/>
-              </a:rPr>
-              <a:t> </a:t>
-            </a:r>
-            <a:r>
-              <a:rPr lang="en-US" err="1">
-                <a:ea typeface="+mn-lt"/>
-                <a:cs typeface="+mn-lt"/>
-              </a:rPr>
-              <a:t>выполнять</a:t>
-            </a:r>
-            <a:r>
-              <a:rPr lang="en-US">
-                <a:ea typeface="+mn-lt"/>
-                <a:cs typeface="+mn-lt"/>
-              </a:rPr>
-              <a:t> </a:t>
-            </a:r>
-            <a:r>
-              <a:rPr lang="en-US" err="1">
-                <a:ea typeface="+mn-lt"/>
-                <a:cs typeface="+mn-lt"/>
-              </a:rPr>
-              <a:t>блок</a:t>
-            </a:r>
-            <a:r>
-              <a:rPr lang="en-US">
-                <a:ea typeface="+mn-lt"/>
-                <a:cs typeface="+mn-lt"/>
-              </a:rPr>
-              <a:t> </a:t>
-            </a:r>
-            <a:r>
-              <a:rPr lang="en-US" err="1">
-                <a:ea typeface="+mn-lt"/>
-                <a:cs typeface="+mn-lt"/>
-              </a:rPr>
-              <a:t>команд</a:t>
-            </a:r>
-            <a:r>
-              <a:rPr lang="en-US">
-                <a:ea typeface="+mn-lt"/>
-                <a:cs typeface="+mn-lt"/>
-              </a:rPr>
-              <a:t> </a:t>
-            </a:r>
-            <a:r>
-              <a:rPr lang="en-US" err="1">
-                <a:ea typeface="+mn-lt"/>
-                <a:cs typeface="+mn-lt"/>
-              </a:rPr>
-              <a:t>до</a:t>
-            </a:r>
-            <a:r>
-              <a:rPr lang="en-US">
-                <a:ea typeface="+mn-lt"/>
-                <a:cs typeface="+mn-lt"/>
-              </a:rPr>
-              <a:t> </a:t>
-            </a:r>
-            <a:r>
-              <a:rPr lang="en-US" err="1">
-                <a:ea typeface="+mn-lt"/>
-                <a:cs typeface="+mn-lt"/>
-              </a:rPr>
-              <a:t>тех</a:t>
-            </a:r>
-            <a:r>
-              <a:rPr lang="en-US">
-                <a:ea typeface="+mn-lt"/>
-                <a:cs typeface="+mn-lt"/>
-              </a:rPr>
-              <a:t> </a:t>
-            </a:r>
-            <a:r>
-              <a:rPr lang="en-US" err="1">
-                <a:ea typeface="+mn-lt"/>
-                <a:cs typeface="+mn-lt"/>
-              </a:rPr>
-              <a:t>пор</a:t>
-            </a:r>
-            <a:r>
-              <a:rPr lang="en-US">
-                <a:ea typeface="+mn-lt"/>
-                <a:cs typeface="+mn-lt"/>
-              </a:rPr>
-              <a:t>, </a:t>
-            </a:r>
-            <a:r>
-              <a:rPr lang="en-US" err="1">
-                <a:ea typeface="+mn-lt"/>
-                <a:cs typeface="+mn-lt"/>
-              </a:rPr>
-              <a:t>пока</a:t>
-            </a:r>
-            <a:r>
-              <a:rPr lang="en-US">
-                <a:ea typeface="+mn-lt"/>
-                <a:cs typeface="+mn-lt"/>
-              </a:rPr>
-              <a:t> </a:t>
-            </a:r>
-            <a:r>
-              <a:rPr lang="en-US" err="1">
-                <a:ea typeface="+mn-lt"/>
-                <a:cs typeface="+mn-lt"/>
-              </a:rPr>
-              <a:t>выполняется</a:t>
-            </a:r>
-            <a:r>
-              <a:rPr lang="en-US">
-                <a:ea typeface="+mn-lt"/>
-                <a:cs typeface="+mn-lt"/>
-              </a:rPr>
-              <a:t> </a:t>
-            </a:r>
-            <a:r>
-              <a:rPr lang="en-US" err="1">
-                <a:ea typeface="+mn-lt"/>
-                <a:cs typeface="+mn-lt"/>
-              </a:rPr>
-              <a:t>некоторое</a:t>
-            </a:r>
-            <a:r>
-              <a:rPr lang="en-US">
-                <a:ea typeface="+mn-lt"/>
-                <a:cs typeface="+mn-lt"/>
-              </a:rPr>
-              <a:t> </a:t>
-            </a:r>
-            <a:r>
-              <a:rPr lang="en-US" err="1">
-                <a:ea typeface="+mn-lt"/>
-                <a:cs typeface="+mn-lt"/>
-              </a:rPr>
-              <a:t>условие</a:t>
-            </a:r>
-            <a:r>
-              <a:rPr lang="en-US">
-                <a:ea typeface="+mn-lt"/>
-                <a:cs typeface="+mn-lt"/>
-              </a:rPr>
-              <a:t>. </a:t>
-            </a:r>
-            <a:r>
-              <a:rPr lang="en-US" err="1">
-                <a:ea typeface="+mn-lt"/>
-                <a:cs typeface="+mn-lt"/>
-              </a:rPr>
-              <a:t>Это</a:t>
-            </a:r>
-            <a:r>
-              <a:rPr lang="en-US">
-                <a:ea typeface="+mn-lt"/>
-                <a:cs typeface="+mn-lt"/>
-              </a:rPr>
-              <a:t> </a:t>
-            </a:r>
-            <a:r>
-              <a:rPr lang="en-US" err="1">
-                <a:ea typeface="+mn-lt"/>
-                <a:cs typeface="+mn-lt"/>
-              </a:rPr>
-              <a:t>один</a:t>
-            </a:r>
-            <a:r>
-              <a:rPr lang="en-US">
-                <a:ea typeface="+mn-lt"/>
-                <a:cs typeface="+mn-lt"/>
-              </a:rPr>
-              <a:t> </a:t>
-            </a:r>
-            <a:r>
-              <a:rPr lang="en-US" err="1">
-                <a:ea typeface="+mn-lt"/>
-                <a:cs typeface="+mn-lt"/>
-              </a:rPr>
-              <a:t>из</a:t>
-            </a:r>
-            <a:r>
-              <a:rPr lang="en-US">
-                <a:ea typeface="+mn-lt"/>
-                <a:cs typeface="+mn-lt"/>
-              </a:rPr>
-              <a:t> </a:t>
-            </a:r>
-            <a:r>
-              <a:rPr lang="en-US" err="1">
-                <a:ea typeface="+mn-lt"/>
-                <a:cs typeface="+mn-lt"/>
-              </a:rPr>
-              <a:t>так</a:t>
-            </a:r>
-            <a:r>
-              <a:rPr lang="en-US">
-                <a:ea typeface="+mn-lt"/>
-                <a:cs typeface="+mn-lt"/>
-              </a:rPr>
-              <a:t> </a:t>
-            </a:r>
-            <a:r>
-              <a:rPr lang="en-US" err="1">
-                <a:ea typeface="+mn-lt"/>
-                <a:cs typeface="+mn-lt"/>
-              </a:rPr>
-              <a:t>называемых</a:t>
-            </a:r>
-            <a:r>
-              <a:rPr lang="en-US">
-                <a:ea typeface="+mn-lt"/>
-                <a:cs typeface="+mn-lt"/>
-              </a:rPr>
-              <a:t> </a:t>
-            </a:r>
-            <a:r>
-              <a:rPr lang="en-US" err="1">
-                <a:ea typeface="+mn-lt"/>
-                <a:cs typeface="+mn-lt"/>
-              </a:rPr>
-              <a:t>операторов</a:t>
-            </a:r>
-            <a:r>
-              <a:rPr lang="en-US">
-                <a:ea typeface="+mn-lt"/>
-                <a:cs typeface="+mn-lt"/>
-              </a:rPr>
-              <a:t> </a:t>
-            </a:r>
-            <a:r>
-              <a:rPr lang="en-US" err="1">
-                <a:ea typeface="+mn-lt"/>
-                <a:cs typeface="+mn-lt"/>
-              </a:rPr>
-              <a:t>цикла</a:t>
-            </a:r>
-            <a:r>
-              <a:rPr lang="en-US">
-                <a:ea typeface="+mn-lt"/>
-                <a:cs typeface="+mn-lt"/>
-              </a:rPr>
-              <a:t>. </a:t>
-            </a:r>
-            <a:r>
-              <a:rPr lang="en-US" err="1">
-                <a:ea typeface="+mn-lt"/>
-                <a:cs typeface="+mn-lt"/>
-              </a:rPr>
-              <a:t>Он</a:t>
-            </a:r>
-            <a:r>
-              <a:rPr lang="en-US">
-                <a:ea typeface="+mn-lt"/>
-                <a:cs typeface="+mn-lt"/>
-              </a:rPr>
-              <a:t> </a:t>
-            </a:r>
-            <a:r>
-              <a:rPr lang="en-US" err="1">
-                <a:ea typeface="+mn-lt"/>
-                <a:cs typeface="+mn-lt"/>
-              </a:rPr>
-              <a:t>также</a:t>
-            </a:r>
-            <a:r>
-              <a:rPr lang="en-US">
-                <a:ea typeface="+mn-lt"/>
-                <a:cs typeface="+mn-lt"/>
-              </a:rPr>
-              <a:t> </a:t>
-            </a:r>
-            <a:r>
-              <a:rPr lang="en-US" err="1">
-                <a:ea typeface="+mn-lt"/>
-                <a:cs typeface="+mn-lt"/>
-              </a:rPr>
-              <a:t>может</a:t>
-            </a:r>
-            <a:r>
-              <a:rPr lang="en-US">
-                <a:ea typeface="+mn-lt"/>
-                <a:cs typeface="+mn-lt"/>
-              </a:rPr>
-              <a:t> </a:t>
-            </a:r>
-            <a:r>
-              <a:rPr lang="en-US" err="1">
-                <a:ea typeface="+mn-lt"/>
-                <a:cs typeface="+mn-lt"/>
-              </a:rPr>
-              <a:t>иметь</a:t>
-            </a:r>
-            <a:r>
-              <a:rPr lang="en-US">
-                <a:ea typeface="+mn-lt"/>
-                <a:cs typeface="+mn-lt"/>
-              </a:rPr>
-              <a:t> </a:t>
-            </a:r>
-            <a:r>
-              <a:rPr lang="en-US" err="1">
-                <a:ea typeface="+mn-lt"/>
-                <a:cs typeface="+mn-lt"/>
-              </a:rPr>
-              <a:t>необязательный</a:t>
-            </a:r>
-            <a:r>
-              <a:rPr lang="en-US">
-                <a:ea typeface="+mn-lt"/>
-                <a:cs typeface="+mn-lt"/>
-              </a:rPr>
-              <a:t> </a:t>
-            </a:r>
-            <a:r>
-              <a:rPr lang="en-US" err="1">
-                <a:ea typeface="+mn-lt"/>
-                <a:cs typeface="+mn-lt"/>
-              </a:rPr>
-              <a:t>пункт</a:t>
-            </a:r>
-            <a:r>
-              <a:rPr lang="en-US">
-                <a:ea typeface="+mn-lt"/>
-                <a:cs typeface="+mn-lt"/>
-              </a:rPr>
-              <a:t> else .</a:t>
-            </a:r>
-            <a:endParaRPr lang="en-US" err="1">
-              <a:ea typeface="+mn-lt"/>
-              <a:cs typeface="+mn-lt"/>
-            </a:endParaRPr>
-          </a:p>
-        </p:txBody>
-      </p:sp>
-      <p:pic>
-        <p:nvPicPr>
-          <p:cNvPr id="4" name="Picture 5">
-            <a:extLst>
-              <a:ext uri="{FF2B5EF4-FFF2-40B4-BE49-F238E27FC236}">
-                <a16:creationId xmlns:a16="http://schemas.microsoft.com/office/drawing/2014/main" id="{F8F47AF6-9EFF-4AD6-A7DB-B0EA256ACC72}"/>
-              </a:ext>
-            </a:extLst>
-          </p:cNvPr>
-          <p:cNvPicPr>
-            <a:picLocks noChangeAspect="1"/>
-          </p:cNvPicPr>
-          <p:nvPr/>
-        </p:nvPicPr>
-        <p:blipFill>
-          <a:blip r:embed="rId2"/>
-          <a:stretch>
-            <a:fillRect/>
-          </a:stretch>
-        </p:blipFill>
-        <p:spPr>
-          <a:xfrm>
-            <a:off x="3052044" y="1418635"/>
-            <a:ext cx="5626031" cy="2944979"/>
-          </a:xfrm>
-          <a:prstGeom prst="rect">
-            <a:avLst/>
-          </a:prstGeom>
-        </p:spPr>
-      </p:pic>
-    </p:spTree>
-    <p:extLst>
-      <p:ext uri="{BB962C8B-B14F-4D97-AF65-F5344CB8AC3E}">
-        <p14:creationId xmlns:p14="http://schemas.microsoft.com/office/powerpoint/2010/main" val="3666564438"/>
-      </p:ext>
-    </p:extLst>
-  </p:cSld>
-  <p:clrMapOvr>
-    <a:masterClrMapping/>
-  </p:clrMapOvr>
-</p:sld>
-</file>
-
-<file path=ppt/slides/slide16.xml><?xml version="1.0" encoding="utf-8"?>
-<p:sld xmlns:a="http://schemas.openxmlformats.org/drawingml/2006/main" xmlns:r="http://schemas.openxmlformats.org/officeDocument/2006/relationships" xmlns:p="http://schemas.openxmlformats.org/presentationml/2006/main">
-  <p:cSld>
-    <p:spTree>
-      <p:nvGrpSpPr>
-        <p:cNvPr id="1" name=""/>
-        <p:cNvGrpSpPr/>
-        <p:nvPr/>
-      </p:nvGrpSpPr>
-      <p:grpSpPr>
-        <a:xfrm>
-          <a:off x="0" y="0"/>
-          <a:ext cx="0" cy="0"/>
-          <a:chOff x="0" y="0"/>
-          <a:chExt cx="0" cy="0"/>
-        </a:xfrm>
-      </p:grpSpPr>
-      <p:sp>
-        <p:nvSpPr>
-          <p:cNvPr id="3" name="Прямоугольник 4">
-            <a:extLst>
-              <a:ext uri="{FF2B5EF4-FFF2-40B4-BE49-F238E27FC236}">
-                <a16:creationId xmlns:a16="http://schemas.microsoft.com/office/drawing/2014/main" id="{36CC0B9C-0EBE-4A1E-B58D-B636BD15693B}"/>
-              </a:ext>
-            </a:extLst>
-          </p:cNvPr>
-          <p:cNvSpPr/>
-          <p:nvPr/>
-        </p:nvSpPr>
-        <p:spPr>
-          <a:xfrm>
-            <a:off x="569167" y="242596"/>
-            <a:ext cx="11150082" cy="811763"/>
-          </a:xfrm>
-          <a:prstGeom prst="rect">
-            <a:avLst/>
-          </a:prstGeom>
-        </p:spPr>
-        <p:style>
-          <a:lnRef idx="2">
-            <a:schemeClr val="accent1">
-              <a:shade val="50000"/>
-            </a:schemeClr>
-          </a:lnRef>
-          <a:fillRef idx="1">
-            <a:schemeClr val="accent1"/>
-          </a:fillRef>
-          <a:effectRef idx="0">
-            <a:schemeClr val="accent1"/>
-          </a:effectRef>
-          <a:fontRef idx="minor">
-            <a:schemeClr val="lt1"/>
-          </a:fontRef>
-        </p:style>
-        <p:txBody>
-          <a:bodyPr lIns="91440" tIns="45720" rIns="91440" bIns="45720" rtlCol="0" anchor="ctr"/>
-          <a:lstStyle/>
-          <a:p>
-            <a:pPr algn="ctr"/>
-            <a:r>
-              <a:rPr lang="ru-RU" sz="3200" b="1">
-                <a:ln w="12700" cmpd="sng">
-                  <a:solidFill>
-                    <a:srgbClr val="FFC000"/>
-                  </a:solidFill>
-                  <a:prstDash val="solid"/>
-                </a:ln>
-                <a:solidFill>
-                  <a:srgbClr val="FFC000"/>
-                </a:solidFill>
-                <a:cs typeface="Calibri"/>
-              </a:rPr>
-              <a:t>Цикл </a:t>
-            </a:r>
-            <a:r>
-              <a:rPr lang="ru-RU" sz="3200" b="1" err="1">
-                <a:ln w="12700" cmpd="sng">
-                  <a:solidFill>
-                    <a:srgbClr val="FFC000"/>
-                  </a:solidFill>
-                  <a:prstDash val="solid"/>
-                </a:ln>
-                <a:solidFill>
-                  <a:srgbClr val="FFC000"/>
-                </a:solidFill>
-                <a:cs typeface="Calibri"/>
-              </a:rPr>
-              <a:t>for</a:t>
-            </a:r>
-            <a:endParaRPr lang="en-US" err="1"/>
-          </a:p>
-        </p:txBody>
-      </p:sp>
-      <p:sp>
-        <p:nvSpPr>
-          <p:cNvPr id="5" name="Rectangle: Rounded Corners 4">
-            <a:extLst>
-              <a:ext uri="{FF2B5EF4-FFF2-40B4-BE49-F238E27FC236}">
-                <a16:creationId xmlns:a16="http://schemas.microsoft.com/office/drawing/2014/main" id="{345097A7-3DDA-42EE-B1B5-948D82531DB4}"/>
-              </a:ext>
-            </a:extLst>
-          </p:cNvPr>
-          <p:cNvSpPr/>
-          <p:nvPr/>
-        </p:nvSpPr>
-        <p:spPr>
-          <a:xfrm>
-            <a:off x="1679988" y="4721853"/>
-            <a:ext cx="9075613" cy="1117782"/>
-          </a:xfrm>
-          <a:prstGeom prst="roundRect">
-            <a:avLst/>
-          </a:prstGeom>
-        </p:spPr>
-        <p:style>
-          <a:lnRef idx="2">
-            <a:schemeClr val="accent1">
-              <a:shade val="50000"/>
-            </a:schemeClr>
-          </a:lnRef>
-          <a:fillRef idx="1">
-            <a:schemeClr val="accent1"/>
-          </a:fillRef>
-          <a:effectRef idx="0">
-            <a:schemeClr val="accent1"/>
-          </a:effectRef>
-          <a:fontRef idx="minor">
-            <a:schemeClr val="lt1"/>
-          </a:fontRef>
-        </p:style>
-        <p:txBody>
-          <a:bodyPr lIns="91440" tIns="45720" rIns="91440" bIns="45720" rtlCol="0" anchor="ctr"/>
-          <a:lstStyle/>
-          <a:p>
-            <a:r>
-              <a:rPr lang="en-US">
-                <a:solidFill>
-                  <a:schemeClr val="accent4"/>
-                </a:solidFill>
-                <a:ea typeface="+mn-lt"/>
-                <a:cs typeface="+mn-lt"/>
-              </a:rPr>
-              <a:t>     </a:t>
-            </a:r>
-            <a:r>
-              <a:rPr lang="en-US" err="1">
-                <a:solidFill>
-                  <a:schemeClr val="accent4"/>
-                </a:solidFill>
-                <a:ea typeface="+mn-lt"/>
-                <a:cs typeface="+mn-lt"/>
-              </a:rPr>
-              <a:t>Оператор</a:t>
-            </a:r>
-            <a:r>
-              <a:rPr lang="en-US">
-                <a:solidFill>
-                  <a:schemeClr val="accent4"/>
-                </a:solidFill>
-                <a:ea typeface="+mn-lt"/>
-                <a:cs typeface="+mn-lt"/>
-              </a:rPr>
-              <a:t> </a:t>
-            </a:r>
-            <a:r>
-              <a:rPr lang="en-US" err="1">
-                <a:solidFill>
-                  <a:schemeClr val="accent4"/>
-                </a:solidFill>
-                <a:ea typeface="+mn-lt"/>
-                <a:cs typeface="+mn-lt"/>
-              </a:rPr>
-              <a:t>for..in</a:t>
-            </a:r>
-            <a:r>
-              <a:rPr lang="en-US">
-                <a:ea typeface="+mn-lt"/>
-                <a:cs typeface="+mn-lt"/>
-              </a:rPr>
-              <a:t> </a:t>
-            </a:r>
-            <a:r>
-              <a:rPr lang="en-US" err="1">
-                <a:ea typeface="+mn-lt"/>
-                <a:cs typeface="+mn-lt"/>
-              </a:rPr>
-              <a:t>также</a:t>
-            </a:r>
-            <a:r>
-              <a:rPr lang="en-US">
-                <a:ea typeface="+mn-lt"/>
-                <a:cs typeface="+mn-lt"/>
-              </a:rPr>
-              <a:t> </a:t>
-            </a:r>
-            <a:r>
-              <a:rPr lang="en-US" err="1">
-                <a:ea typeface="+mn-lt"/>
-                <a:cs typeface="+mn-lt"/>
-              </a:rPr>
-              <a:t>является</a:t>
-            </a:r>
-            <a:r>
-              <a:rPr lang="en-US">
-                <a:ea typeface="+mn-lt"/>
-                <a:cs typeface="+mn-lt"/>
-              </a:rPr>
-              <a:t> </a:t>
-            </a:r>
-            <a:r>
-              <a:rPr lang="en-US" err="1">
-                <a:ea typeface="+mn-lt"/>
-                <a:cs typeface="+mn-lt"/>
-              </a:rPr>
-              <a:t>оператором</a:t>
-            </a:r>
-            <a:r>
-              <a:rPr lang="en-US">
-                <a:ea typeface="+mn-lt"/>
-                <a:cs typeface="+mn-lt"/>
-              </a:rPr>
-              <a:t> </a:t>
-            </a:r>
-            <a:r>
-              <a:rPr lang="en-US" err="1">
-                <a:ea typeface="+mn-lt"/>
-                <a:cs typeface="+mn-lt"/>
-              </a:rPr>
-              <a:t>цикла</a:t>
-            </a:r>
-            <a:r>
-              <a:rPr lang="en-US">
-                <a:ea typeface="+mn-lt"/>
-                <a:cs typeface="+mn-lt"/>
-              </a:rPr>
-              <a:t>, </a:t>
-            </a:r>
-            <a:r>
-              <a:rPr lang="en-US" err="1">
-                <a:ea typeface="+mn-lt"/>
-                <a:cs typeface="+mn-lt"/>
-              </a:rPr>
-              <a:t>который</a:t>
-            </a:r>
-            <a:r>
-              <a:rPr lang="en-US">
-                <a:ea typeface="+mn-lt"/>
-                <a:cs typeface="+mn-lt"/>
-              </a:rPr>
-              <a:t> </a:t>
-            </a:r>
-            <a:r>
-              <a:rPr lang="en-US" err="1">
-                <a:ea typeface="+mn-lt"/>
-                <a:cs typeface="+mn-lt"/>
-              </a:rPr>
-              <a:t>осуществляет</a:t>
-            </a:r>
-            <a:r>
-              <a:rPr lang="en-US">
-                <a:ea typeface="+mn-lt"/>
-                <a:cs typeface="+mn-lt"/>
-              </a:rPr>
-              <a:t> </a:t>
-            </a:r>
-            <a:r>
-              <a:rPr lang="en-US" err="1">
-                <a:ea typeface="+mn-lt"/>
-                <a:cs typeface="+mn-lt"/>
-              </a:rPr>
-              <a:t>итерацию</a:t>
-            </a:r>
-            <a:r>
-              <a:rPr lang="en-US">
-                <a:ea typeface="+mn-lt"/>
-                <a:cs typeface="+mn-lt"/>
-              </a:rPr>
-              <a:t> </a:t>
-            </a:r>
-            <a:r>
-              <a:rPr lang="en-US" err="1">
-                <a:ea typeface="+mn-lt"/>
-                <a:cs typeface="+mn-lt"/>
-              </a:rPr>
-              <a:t>по</a:t>
-            </a:r>
-            <a:r>
-              <a:rPr lang="en-US">
-                <a:ea typeface="+mn-lt"/>
-                <a:cs typeface="+mn-lt"/>
-              </a:rPr>
-              <a:t> </a:t>
-            </a:r>
-            <a:r>
-              <a:rPr lang="en-US" err="1">
-                <a:ea typeface="+mn-lt"/>
-                <a:cs typeface="+mn-lt"/>
-              </a:rPr>
-              <a:t>последовательности</a:t>
-            </a:r>
-            <a:r>
-              <a:rPr lang="en-US">
-                <a:ea typeface="+mn-lt"/>
-                <a:cs typeface="+mn-lt"/>
-              </a:rPr>
-              <a:t> </a:t>
-            </a:r>
-            <a:r>
-              <a:rPr lang="en-US" err="1">
-                <a:ea typeface="+mn-lt"/>
-                <a:cs typeface="+mn-lt"/>
-              </a:rPr>
-              <a:t>объектов</a:t>
-            </a:r>
-            <a:r>
-              <a:rPr lang="en-US">
-                <a:ea typeface="+mn-lt"/>
-                <a:cs typeface="+mn-lt"/>
-              </a:rPr>
-              <a:t>, </a:t>
-            </a:r>
-            <a:r>
-              <a:rPr lang="en-US" err="1">
-                <a:ea typeface="+mn-lt"/>
-                <a:cs typeface="+mn-lt"/>
-              </a:rPr>
-              <a:t>т.е</a:t>
-            </a:r>
-            <a:r>
-              <a:rPr lang="en-US">
-                <a:ea typeface="+mn-lt"/>
-                <a:cs typeface="+mn-lt"/>
-              </a:rPr>
-              <a:t>. </a:t>
-            </a:r>
-            <a:r>
-              <a:rPr lang="en-US" err="1">
-                <a:ea typeface="+mn-lt"/>
-                <a:cs typeface="+mn-lt"/>
-              </a:rPr>
-              <a:t>проходит</a:t>
-            </a:r>
-            <a:r>
-              <a:rPr lang="en-US">
-                <a:ea typeface="+mn-lt"/>
-                <a:cs typeface="+mn-lt"/>
-              </a:rPr>
-              <a:t> </a:t>
-            </a:r>
-            <a:r>
-              <a:rPr lang="en-US" err="1">
-                <a:ea typeface="+mn-lt"/>
-                <a:cs typeface="+mn-lt"/>
-              </a:rPr>
-              <a:t>через</a:t>
-            </a:r>
-            <a:r>
-              <a:rPr lang="en-US">
-                <a:ea typeface="+mn-lt"/>
-                <a:cs typeface="+mn-lt"/>
-              </a:rPr>
-              <a:t> </a:t>
-            </a:r>
-            <a:r>
-              <a:rPr lang="en-US" err="1">
-                <a:ea typeface="+mn-lt"/>
-                <a:cs typeface="+mn-lt"/>
-              </a:rPr>
-              <a:t>каждый</a:t>
-            </a:r>
-            <a:r>
-              <a:rPr lang="en-US">
-                <a:ea typeface="+mn-lt"/>
-                <a:cs typeface="+mn-lt"/>
-              </a:rPr>
-              <a:t> </a:t>
-            </a:r>
-            <a:r>
-              <a:rPr lang="en-US" err="1">
-                <a:ea typeface="+mn-lt"/>
-                <a:cs typeface="+mn-lt"/>
-              </a:rPr>
-              <a:t>элемент</a:t>
-            </a:r>
-            <a:r>
-              <a:rPr lang="en-US">
-                <a:ea typeface="+mn-lt"/>
-                <a:cs typeface="+mn-lt"/>
-              </a:rPr>
-              <a:t> в </a:t>
-            </a:r>
-            <a:r>
-              <a:rPr lang="en-US" err="1">
-                <a:ea typeface="+mn-lt"/>
-                <a:cs typeface="+mn-lt"/>
-              </a:rPr>
-              <a:t>последовательности</a:t>
-            </a:r>
-            <a:r>
-              <a:rPr lang="en-US">
-                <a:ea typeface="+mn-lt"/>
-                <a:cs typeface="+mn-lt"/>
-              </a:rPr>
-              <a:t>.</a:t>
-            </a:r>
-            <a:endParaRPr lang="en-US" err="1">
-              <a:ea typeface="+mn-lt"/>
-              <a:cs typeface="+mn-lt"/>
-            </a:endParaRPr>
-          </a:p>
-        </p:txBody>
-      </p:sp>
-      <p:pic>
-        <p:nvPicPr>
-          <p:cNvPr id="2" name="Picture 5">
-            <a:extLst>
-              <a:ext uri="{FF2B5EF4-FFF2-40B4-BE49-F238E27FC236}">
-                <a16:creationId xmlns:a16="http://schemas.microsoft.com/office/drawing/2014/main" id="{D9A9E91B-0A48-4281-A606-537DC8548C6D}"/>
-              </a:ext>
-            </a:extLst>
-          </p:cNvPr>
-          <p:cNvPicPr>
-            <a:picLocks noChangeAspect="1"/>
-          </p:cNvPicPr>
-          <p:nvPr/>
-        </p:nvPicPr>
-        <p:blipFill>
-          <a:blip r:embed="rId2"/>
-          <a:stretch>
-            <a:fillRect/>
-          </a:stretch>
-        </p:blipFill>
-        <p:spPr>
-          <a:xfrm>
-            <a:off x="3561180" y="2178558"/>
-            <a:ext cx="4824046" cy="1430583"/>
-          </a:xfrm>
-          <a:prstGeom prst="rect">
-            <a:avLst/>
-          </a:prstGeom>
-        </p:spPr>
-      </p:pic>
-    </p:spTree>
-    <p:extLst>
-      <p:ext uri="{BB962C8B-B14F-4D97-AF65-F5344CB8AC3E}">
-        <p14:creationId xmlns:p14="http://schemas.microsoft.com/office/powerpoint/2010/main" val="29342022"/>
-      </p:ext>
-    </p:extLst>
-  </p:cSld>
-  <p:clrMapOvr>
-    <a:masterClrMapping/>
-  </p:clrMapOvr>
-</p:sld>
-</file>
-
-<file path=ppt/slides/slide17.xml><?xml version="1.0" encoding="utf-8"?>
-<p:sld xmlns:a="http://schemas.openxmlformats.org/drawingml/2006/main" xmlns:r="http://schemas.openxmlformats.org/officeDocument/2006/relationships" xmlns:p="http://schemas.openxmlformats.org/presentationml/2006/main">
-  <p:cSld>
-    <p:spTree>
-      <p:nvGrpSpPr>
-        <p:cNvPr id="1" name=""/>
-        <p:cNvGrpSpPr/>
-        <p:nvPr/>
-      </p:nvGrpSpPr>
-      <p:grpSpPr>
-        <a:xfrm>
-          <a:off x="0" y="0"/>
-          <a:ext cx="0" cy="0"/>
-          <a:chOff x="0" y="0"/>
-          <a:chExt cx="0" cy="0"/>
-        </a:xfrm>
-      </p:grpSpPr>
-      <p:sp>
-        <p:nvSpPr>
-          <p:cNvPr id="3" name="Прямоугольник 4">
-            <a:extLst>
-              <a:ext uri="{FF2B5EF4-FFF2-40B4-BE49-F238E27FC236}">
-                <a16:creationId xmlns:a16="http://schemas.microsoft.com/office/drawing/2014/main" id="{36CC0B9C-0EBE-4A1E-B58D-B636BD15693B}"/>
-              </a:ext>
-            </a:extLst>
-          </p:cNvPr>
-          <p:cNvSpPr/>
-          <p:nvPr/>
-        </p:nvSpPr>
-        <p:spPr>
-          <a:xfrm>
-            <a:off x="569167" y="242596"/>
-            <a:ext cx="11150082" cy="811763"/>
-          </a:xfrm>
-          <a:prstGeom prst="rect">
-            <a:avLst/>
-          </a:prstGeom>
-        </p:spPr>
-        <p:style>
-          <a:lnRef idx="2">
-            <a:schemeClr val="accent1">
-              <a:shade val="50000"/>
-            </a:schemeClr>
-          </a:lnRef>
-          <a:fillRef idx="1">
-            <a:schemeClr val="accent1"/>
-          </a:fillRef>
-          <a:effectRef idx="0">
-            <a:schemeClr val="accent1"/>
-          </a:effectRef>
-          <a:fontRef idx="minor">
-            <a:schemeClr val="lt1"/>
-          </a:fontRef>
-        </p:style>
-        <p:txBody>
-          <a:bodyPr lIns="91440" tIns="45720" rIns="91440" bIns="45720" rtlCol="0" anchor="ctr"/>
-          <a:lstStyle/>
-          <a:p>
-            <a:pPr algn="ctr"/>
-            <a:r>
-              <a:rPr lang="ru-RU" sz="3200" b="1">
-                <a:ln w="12700" cmpd="sng">
-                  <a:solidFill>
-                    <a:srgbClr val="FFC000"/>
-                  </a:solidFill>
-                  <a:prstDash val="solid"/>
-                </a:ln>
-                <a:solidFill>
-                  <a:srgbClr val="FFC000"/>
-                </a:solidFill>
-                <a:ea typeface="+mn-lt"/>
-                <a:cs typeface="+mn-lt"/>
-              </a:rPr>
-              <a:t>Оператор </a:t>
-            </a:r>
-            <a:r>
-              <a:rPr lang="ru-RU" sz="3200" b="1" err="1">
-                <a:ln w="12700" cmpd="sng">
-                  <a:solidFill>
-                    <a:srgbClr val="FFC000"/>
-                  </a:solidFill>
-                  <a:prstDash val="solid"/>
-                </a:ln>
-                <a:solidFill>
-                  <a:srgbClr val="FFC000"/>
-                </a:solidFill>
-                <a:ea typeface="+mn-lt"/>
-                <a:cs typeface="+mn-lt"/>
-              </a:rPr>
-              <a:t>break</a:t>
-            </a:r>
-            <a:endParaRPr lang="ru-RU" sz="3200" b="1" err="1">
-              <a:ln w="12700" cmpd="sng">
-                <a:solidFill>
-                  <a:srgbClr val="FFC000"/>
-                </a:solidFill>
-                <a:prstDash val="solid"/>
-              </a:ln>
-              <a:solidFill>
-                <a:srgbClr val="FFC000"/>
-              </a:solidFill>
-              <a:cs typeface="Calibri"/>
-            </a:endParaRPr>
-          </a:p>
-        </p:txBody>
-      </p:sp>
-      <p:sp>
-        <p:nvSpPr>
-          <p:cNvPr id="5" name="Rectangle: Rounded Corners 4">
-            <a:extLst>
-              <a:ext uri="{FF2B5EF4-FFF2-40B4-BE49-F238E27FC236}">
-                <a16:creationId xmlns:a16="http://schemas.microsoft.com/office/drawing/2014/main" id="{345097A7-3DDA-42EE-B1B5-948D82531DB4}"/>
-              </a:ext>
-            </a:extLst>
-          </p:cNvPr>
-          <p:cNvSpPr/>
-          <p:nvPr/>
-        </p:nvSpPr>
-        <p:spPr>
-          <a:xfrm>
-            <a:off x="1609104" y="4775016"/>
-            <a:ext cx="9075613" cy="1348154"/>
-          </a:xfrm>
-          <a:prstGeom prst="roundRect">
-            <a:avLst/>
-          </a:prstGeom>
-        </p:spPr>
-        <p:style>
-          <a:lnRef idx="2">
-            <a:schemeClr val="accent1">
-              <a:shade val="50000"/>
-            </a:schemeClr>
-          </a:lnRef>
-          <a:fillRef idx="1">
-            <a:schemeClr val="accent1"/>
-          </a:fillRef>
-          <a:effectRef idx="0">
-            <a:schemeClr val="accent1"/>
-          </a:effectRef>
-          <a:fontRef idx="minor">
-            <a:schemeClr val="lt1"/>
-          </a:fontRef>
-        </p:style>
-        <p:txBody>
-          <a:bodyPr lIns="91440" tIns="45720" rIns="91440" bIns="45720" rtlCol="0" anchor="ctr"/>
-          <a:lstStyle/>
-          <a:p>
-            <a:r>
-              <a:rPr lang="en-US">
-                <a:solidFill>
-                  <a:schemeClr val="accent4"/>
-                </a:solidFill>
-                <a:ea typeface="+mn-lt"/>
-                <a:cs typeface="+mn-lt"/>
-              </a:rPr>
-              <a:t>     </a:t>
-            </a:r>
-            <a:r>
-              <a:rPr lang="en-US" err="1">
-                <a:solidFill>
-                  <a:schemeClr val="accent4"/>
-                </a:solidFill>
-                <a:ea typeface="+mn-lt"/>
-                <a:cs typeface="+mn-lt"/>
-              </a:rPr>
-              <a:t>Оператор</a:t>
-            </a:r>
-            <a:r>
-              <a:rPr lang="en-US">
-                <a:solidFill>
-                  <a:schemeClr val="accent4"/>
-                </a:solidFill>
-                <a:ea typeface="+mn-lt"/>
-                <a:cs typeface="+mn-lt"/>
-              </a:rPr>
-              <a:t> break</a:t>
-            </a:r>
-            <a:r>
-              <a:rPr lang="en-US">
-                <a:ea typeface="+mn-lt"/>
-                <a:cs typeface="+mn-lt"/>
-              </a:rPr>
-              <a:t> </a:t>
-            </a:r>
-            <a:r>
-              <a:rPr lang="en-US" err="1">
-                <a:ea typeface="+mn-lt"/>
-                <a:cs typeface="+mn-lt"/>
-              </a:rPr>
-              <a:t>служит</a:t>
-            </a:r>
-            <a:r>
-              <a:rPr lang="en-US">
-                <a:ea typeface="+mn-lt"/>
-                <a:cs typeface="+mn-lt"/>
-              </a:rPr>
-              <a:t> </a:t>
-            </a:r>
-            <a:r>
-              <a:rPr lang="en-US" err="1">
-                <a:ea typeface="+mn-lt"/>
-                <a:cs typeface="+mn-lt"/>
-              </a:rPr>
-              <a:t>для</a:t>
-            </a:r>
-            <a:r>
-              <a:rPr lang="en-US">
-                <a:ea typeface="+mn-lt"/>
-                <a:cs typeface="+mn-lt"/>
-              </a:rPr>
-              <a:t> </a:t>
-            </a:r>
-            <a:r>
-              <a:rPr lang="en-US" err="1">
-                <a:ea typeface="+mn-lt"/>
-                <a:cs typeface="+mn-lt"/>
-              </a:rPr>
-              <a:t>прерывания</a:t>
-            </a:r>
-            <a:r>
-              <a:rPr lang="en-US">
-                <a:ea typeface="+mn-lt"/>
-                <a:cs typeface="+mn-lt"/>
-              </a:rPr>
-              <a:t> </a:t>
-            </a:r>
-            <a:r>
-              <a:rPr lang="en-US" err="1">
-                <a:ea typeface="+mn-lt"/>
-                <a:cs typeface="+mn-lt"/>
-              </a:rPr>
-              <a:t>цикла</a:t>
-            </a:r>
-            <a:r>
-              <a:rPr lang="en-US">
-                <a:ea typeface="+mn-lt"/>
-                <a:cs typeface="+mn-lt"/>
-              </a:rPr>
-              <a:t>, </a:t>
-            </a:r>
-            <a:r>
-              <a:rPr lang="en-US" err="1">
-                <a:ea typeface="+mn-lt"/>
-                <a:cs typeface="+mn-lt"/>
-              </a:rPr>
-              <a:t>т.е</a:t>
-            </a:r>
-            <a:r>
-              <a:rPr lang="en-US">
-                <a:ea typeface="+mn-lt"/>
-                <a:cs typeface="+mn-lt"/>
-              </a:rPr>
-              <a:t>. </a:t>
-            </a:r>
-            <a:r>
-              <a:rPr lang="en-US" err="1">
-                <a:ea typeface="+mn-lt"/>
-                <a:cs typeface="+mn-lt"/>
-              </a:rPr>
-              <a:t>остановки</a:t>
-            </a:r>
-            <a:r>
-              <a:rPr lang="en-US">
-                <a:ea typeface="+mn-lt"/>
-                <a:cs typeface="+mn-lt"/>
-              </a:rPr>
-              <a:t> </a:t>
-            </a:r>
-            <a:r>
-              <a:rPr lang="en-US" err="1">
-                <a:ea typeface="+mn-lt"/>
-                <a:cs typeface="+mn-lt"/>
-              </a:rPr>
-              <a:t>выполнения</a:t>
-            </a:r>
-            <a:r>
-              <a:rPr lang="en-US">
-                <a:ea typeface="+mn-lt"/>
-                <a:cs typeface="+mn-lt"/>
-              </a:rPr>
-              <a:t> </a:t>
-            </a:r>
-            <a:r>
-              <a:rPr lang="en-US" err="1">
-                <a:ea typeface="+mn-lt"/>
-                <a:cs typeface="+mn-lt"/>
-              </a:rPr>
-              <a:t>команд</a:t>
-            </a:r>
-            <a:r>
-              <a:rPr lang="en-US">
-                <a:ea typeface="+mn-lt"/>
-                <a:cs typeface="+mn-lt"/>
-              </a:rPr>
-              <a:t> </a:t>
-            </a:r>
-            <a:r>
-              <a:rPr lang="en-US" err="1">
-                <a:ea typeface="+mn-lt"/>
-                <a:cs typeface="+mn-lt"/>
-              </a:rPr>
-              <a:t>даже</a:t>
-            </a:r>
-            <a:r>
-              <a:rPr lang="en-US">
-                <a:ea typeface="+mn-lt"/>
-                <a:cs typeface="+mn-lt"/>
-              </a:rPr>
-              <a:t> </a:t>
-            </a:r>
-            <a:r>
-              <a:rPr lang="en-US" err="1">
-                <a:ea typeface="+mn-lt"/>
-                <a:cs typeface="+mn-lt"/>
-              </a:rPr>
-              <a:t>если</a:t>
-            </a:r>
-            <a:r>
-              <a:rPr lang="en-US">
-                <a:ea typeface="+mn-lt"/>
-                <a:cs typeface="+mn-lt"/>
-              </a:rPr>
-              <a:t> </a:t>
-            </a:r>
-            <a:r>
-              <a:rPr lang="en-US" err="1">
-                <a:ea typeface="+mn-lt"/>
-                <a:cs typeface="+mn-lt"/>
-              </a:rPr>
-              <a:t>условие</a:t>
-            </a:r>
-            <a:r>
-              <a:rPr lang="en-US">
-                <a:ea typeface="+mn-lt"/>
-                <a:cs typeface="+mn-lt"/>
-              </a:rPr>
-              <a:t> </a:t>
-            </a:r>
-            <a:r>
-              <a:rPr lang="en-US" err="1">
-                <a:ea typeface="+mn-lt"/>
-                <a:cs typeface="+mn-lt"/>
-              </a:rPr>
-              <a:t>выполнения</a:t>
-            </a:r>
-            <a:r>
-              <a:rPr lang="en-US">
-                <a:ea typeface="+mn-lt"/>
-                <a:cs typeface="+mn-lt"/>
-              </a:rPr>
-              <a:t> </a:t>
-            </a:r>
-            <a:r>
-              <a:rPr lang="en-US" err="1">
-                <a:ea typeface="+mn-lt"/>
-                <a:cs typeface="+mn-lt"/>
-              </a:rPr>
-              <a:t>цикла</a:t>
-            </a:r>
-            <a:r>
-              <a:rPr lang="en-US">
-                <a:ea typeface="+mn-lt"/>
-                <a:cs typeface="+mn-lt"/>
-              </a:rPr>
-              <a:t> </a:t>
-            </a:r>
-            <a:r>
-              <a:rPr lang="en-US" err="1">
-                <a:ea typeface="+mn-lt"/>
-                <a:cs typeface="+mn-lt"/>
-              </a:rPr>
-              <a:t>ещё</a:t>
-            </a:r>
-            <a:r>
-              <a:rPr lang="en-US">
-                <a:ea typeface="+mn-lt"/>
-                <a:cs typeface="+mn-lt"/>
-              </a:rPr>
-              <a:t> </a:t>
-            </a:r>
-            <a:r>
-              <a:rPr lang="en-US" err="1">
-                <a:ea typeface="+mn-lt"/>
-                <a:cs typeface="+mn-lt"/>
-              </a:rPr>
-              <a:t>не</a:t>
-            </a:r>
-            <a:r>
-              <a:rPr lang="en-US">
-                <a:ea typeface="+mn-lt"/>
-                <a:cs typeface="+mn-lt"/>
-              </a:rPr>
-              <a:t> </a:t>
-            </a:r>
-            <a:r>
-              <a:rPr lang="en-US" err="1">
-                <a:ea typeface="+mn-lt"/>
-                <a:cs typeface="+mn-lt"/>
-              </a:rPr>
-              <a:t>приняло</a:t>
-            </a:r>
-            <a:r>
-              <a:rPr lang="en-US">
-                <a:ea typeface="+mn-lt"/>
-                <a:cs typeface="+mn-lt"/>
-              </a:rPr>
-              <a:t> </a:t>
-            </a:r>
-            <a:r>
-              <a:rPr lang="en-US" err="1">
-                <a:ea typeface="+mn-lt"/>
-                <a:cs typeface="+mn-lt"/>
-              </a:rPr>
-              <a:t>значения</a:t>
-            </a:r>
-            <a:r>
-              <a:rPr lang="en-US">
-                <a:ea typeface="+mn-lt"/>
-                <a:cs typeface="+mn-lt"/>
-              </a:rPr>
-              <a:t> False </a:t>
-            </a:r>
-            <a:r>
-              <a:rPr lang="en-US" err="1">
-                <a:ea typeface="+mn-lt"/>
-                <a:cs typeface="+mn-lt"/>
-              </a:rPr>
-              <a:t>или</a:t>
-            </a:r>
-            <a:r>
-              <a:rPr lang="en-US">
-                <a:ea typeface="+mn-lt"/>
-                <a:cs typeface="+mn-lt"/>
-              </a:rPr>
-              <a:t> </a:t>
-            </a:r>
-            <a:r>
-              <a:rPr lang="en-US" err="1">
-                <a:ea typeface="+mn-lt"/>
-                <a:cs typeface="+mn-lt"/>
-              </a:rPr>
-              <a:t>последовательность</a:t>
-            </a:r>
-            <a:r>
-              <a:rPr lang="en-US">
-                <a:ea typeface="+mn-lt"/>
-                <a:cs typeface="+mn-lt"/>
-              </a:rPr>
-              <a:t> </a:t>
-            </a:r>
-            <a:r>
-              <a:rPr lang="en-US" err="1">
-                <a:ea typeface="+mn-lt"/>
-                <a:cs typeface="+mn-lt"/>
-              </a:rPr>
-              <a:t>элементов</a:t>
-            </a:r>
-            <a:r>
-              <a:rPr lang="en-US">
-                <a:ea typeface="+mn-lt"/>
-                <a:cs typeface="+mn-lt"/>
-              </a:rPr>
-              <a:t> </a:t>
-            </a:r>
-            <a:r>
-              <a:rPr lang="en-US" err="1">
-                <a:ea typeface="+mn-lt"/>
-                <a:cs typeface="+mn-lt"/>
-              </a:rPr>
-              <a:t>не</a:t>
-            </a:r>
-            <a:r>
-              <a:rPr lang="en-US">
-                <a:ea typeface="+mn-lt"/>
-                <a:cs typeface="+mn-lt"/>
-              </a:rPr>
-              <a:t> </a:t>
-            </a:r>
-            <a:r>
-              <a:rPr lang="en-US" err="1">
-                <a:ea typeface="+mn-lt"/>
-                <a:cs typeface="+mn-lt"/>
-              </a:rPr>
-              <a:t>закончилась</a:t>
-            </a:r>
-            <a:r>
-              <a:rPr lang="en-US">
-                <a:ea typeface="+mn-lt"/>
-                <a:cs typeface="+mn-lt"/>
-              </a:rPr>
-              <a:t>.</a:t>
-            </a:r>
-          </a:p>
-        </p:txBody>
-      </p:sp>
-      <p:pic>
-        <p:nvPicPr>
-          <p:cNvPr id="6" name="Picture 6">
-            <a:extLst>
-              <a:ext uri="{FF2B5EF4-FFF2-40B4-BE49-F238E27FC236}">
-                <a16:creationId xmlns:a16="http://schemas.microsoft.com/office/drawing/2014/main" id="{558FA52E-3203-4CCA-BBE9-4FB227E6A3A9}"/>
-              </a:ext>
-            </a:extLst>
-          </p:cNvPr>
-          <p:cNvPicPr>
-            <a:picLocks noChangeAspect="1"/>
-          </p:cNvPicPr>
-          <p:nvPr/>
-        </p:nvPicPr>
-        <p:blipFill>
-          <a:blip r:embed="rId2"/>
-          <a:stretch>
-            <a:fillRect/>
-          </a:stretch>
-        </p:blipFill>
-        <p:spPr>
-          <a:xfrm>
-            <a:off x="2536092" y="1861240"/>
-            <a:ext cx="7129584" cy="1738520"/>
-          </a:xfrm>
-          <a:prstGeom prst="rect">
-            <a:avLst/>
-          </a:prstGeom>
-        </p:spPr>
-      </p:pic>
-    </p:spTree>
-    <p:extLst>
-      <p:ext uri="{BB962C8B-B14F-4D97-AF65-F5344CB8AC3E}">
-        <p14:creationId xmlns:p14="http://schemas.microsoft.com/office/powerpoint/2010/main" val="3288086044"/>
       </p:ext>
     </p:extLst>
   </p:cSld>
